--- a/16216/f15/lectures/16.216f15_lec21_strings.pptx
+++ b/16216/f15/lectures/16.216f15_lec21_strings.pptx
@@ -5,10 +5,10 @@
     <p:sldMasterId id="2147483792" r:id="rId1"/>
   </p:sldMasterIdLst>
   <p:notesMasterIdLst>
-    <p:notesMasterId r:id="rId17"/>
+    <p:notesMasterId r:id="rId13"/>
   </p:notesMasterIdLst>
   <p:handoutMasterIdLst>
-    <p:handoutMasterId r:id="rId18"/>
+    <p:handoutMasterId r:id="rId14"/>
   </p:handoutMasterIdLst>
   <p:sldIdLst>
     <p:sldId id="256" r:id="rId2"/>
@@ -21,11 +21,7 @@
     <p:sldId id="506" r:id="rId9"/>
     <p:sldId id="507" r:id="rId10"/>
     <p:sldId id="508" r:id="rId11"/>
-    <p:sldId id="510" r:id="rId12"/>
-    <p:sldId id="511" r:id="rId13"/>
-    <p:sldId id="512" r:id="rId14"/>
-    <p:sldId id="513" r:id="rId15"/>
-    <p:sldId id="410" r:id="rId16"/>
+    <p:sldId id="410" r:id="rId12"/>
   </p:sldIdLst>
   <p:sldSz cx="9144000" cy="6858000" type="screen4x3"/>
   <p:notesSz cx="9144000" cy="6858000"/>
@@ -1338,12 +1334,9 @@
             <a:pPr>
               <a:defRPr/>
             </a:pPr>
-            <a:fld id="{3533550B-E4C6-7A4A-964A-F37442F5079A}" type="datetime1">
-              <a:rPr lang="en-US"/>
-              <a:pPr>
-                <a:defRPr/>
-              </a:pPr>
-              <a:t>10/21/15</a:t>
+            <a:fld id="{8074FB87-B172-4E45-9CFB-FE97F2FF6D50}" type="datetime1">
+              <a:rPr lang="en-US" smtClean="0"/>
+              <a:t>10/26/15</a:t>
             </a:fld>
             <a:endParaRPr lang="en-US"/>
           </a:p>
@@ -1545,12 +1538,9 @@
             <a:pPr>
               <a:defRPr/>
             </a:pPr>
-            <a:fld id="{090019EE-8510-1441-A85F-08666A85AE47}" type="datetime1">
-              <a:rPr lang="en-US"/>
-              <a:pPr>
-                <a:defRPr/>
-              </a:pPr>
-              <a:t>10/21/15</a:t>
+            <a:fld id="{5CD9A062-C5C4-458B-BA5E-3D6B64D929A9}" type="datetime1">
+              <a:rPr lang="en-US" smtClean="0"/>
+              <a:t>10/26/15</a:t>
             </a:fld>
             <a:endParaRPr lang="en-US"/>
           </a:p>
@@ -1761,12 +1751,9 @@
             <a:pPr>
               <a:defRPr/>
             </a:pPr>
-            <a:fld id="{AAEE5E2C-DAD0-FC43-B74D-7555A0A4588B}" type="datetime1">
-              <a:rPr lang="en-US"/>
-              <a:pPr>
-                <a:defRPr/>
-              </a:pPr>
-              <a:t>10/21/15</a:t>
+            <a:fld id="{2CF45AA8-AD8E-40B5-90CD-8B0CF1463D1E}" type="datetime1">
+              <a:rPr lang="en-US" smtClean="0"/>
+              <a:t>10/26/15</a:t>
             </a:fld>
             <a:endParaRPr lang="en-US"/>
           </a:p>
@@ -2034,12 +2021,9 @@
             <a:pPr>
               <a:defRPr/>
             </a:pPr>
-            <a:fld id="{947F6FA5-8318-CE42-B02C-16654593ECC6}" type="datetime1">
-              <a:rPr lang="en-US"/>
-              <a:pPr>
-                <a:defRPr/>
-              </a:pPr>
-              <a:t>10/21/15</a:t>
+            <a:fld id="{D645232E-FFBA-4318-9BB2-B7D58806BB86}" type="datetime1">
+              <a:rPr lang="en-US" smtClean="0"/>
+              <a:t>10/26/15</a:t>
             </a:fld>
             <a:endParaRPr lang="en-US"/>
           </a:p>
@@ -2307,12 +2291,9 @@
             <a:pPr>
               <a:defRPr/>
             </a:pPr>
-            <a:fld id="{F29CA332-D546-404C-9C03-2B11794B5BCD}" type="datetime1">
-              <a:rPr lang="en-US"/>
-              <a:pPr>
-                <a:defRPr/>
-              </a:pPr>
-              <a:t>10/21/15</a:t>
+            <a:fld id="{0D0B6F6C-2DC8-49C2-8816-A3A2E4B0BD7C}" type="datetime1">
+              <a:rPr lang="en-US" smtClean="0"/>
+              <a:t>10/26/15</a:t>
             </a:fld>
             <a:endParaRPr lang="en-US"/>
           </a:p>
@@ -2513,12 +2494,9 @@
             <a:pPr>
               <a:defRPr/>
             </a:pPr>
-            <a:fld id="{90485BCE-F122-7D4F-A3A5-FC8ECF366A50}" type="datetime1">
-              <a:rPr lang="en-US"/>
-              <a:pPr>
-                <a:defRPr/>
-              </a:pPr>
-              <a:t>10/21/15</a:t>
+            <a:fld id="{7DD9CC10-9297-4899-AE10-62875C3064BA}" type="datetime1">
+              <a:rPr lang="en-US" smtClean="0"/>
+              <a:t>10/26/15</a:t>
             </a:fld>
             <a:endParaRPr lang="en-US"/>
           </a:p>
@@ -2741,12 +2719,9 @@
             <a:pPr>
               <a:defRPr/>
             </a:pPr>
-            <a:fld id="{8E05D5CE-48D0-E049-ACC5-CC094AE9DCCD}" type="datetime1">
-              <a:rPr lang="en-US"/>
-              <a:pPr>
-                <a:defRPr/>
-              </a:pPr>
-              <a:t>10/21/15</a:t>
+            <a:fld id="{278C683F-391C-4689-A4E3-20C720C81037}" type="datetime1">
+              <a:rPr lang="en-US" smtClean="0"/>
+              <a:t>10/26/15</a:t>
             </a:fld>
             <a:endParaRPr lang="en-US"/>
           </a:p>
@@ -3065,12 +3040,9 @@
             <a:pPr>
               <a:defRPr/>
             </a:pPr>
-            <a:fld id="{0596BCD8-62F9-4140-87FE-D523C82B8585}" type="datetime1">
-              <a:rPr lang="en-US"/>
-              <a:pPr>
-                <a:defRPr/>
-              </a:pPr>
-              <a:t>10/21/15</a:t>
+            <a:fld id="{62E7E234-5614-414C-9D7A-336C69790B11}" type="datetime1">
+              <a:rPr lang="en-US" smtClean="0"/>
+              <a:t>10/26/15</a:t>
             </a:fld>
             <a:endParaRPr lang="en-US"/>
           </a:p>
@@ -3528,12 +3500,9 @@
             <a:pPr>
               <a:defRPr/>
             </a:pPr>
-            <a:fld id="{868F6631-2730-C444-9E32-F823C836FDCF}" type="datetime1">
-              <a:rPr lang="en-US"/>
-              <a:pPr>
-                <a:defRPr/>
-              </a:pPr>
-              <a:t>10/21/15</a:t>
+            <a:fld id="{901AF640-0CC7-483F-9324-D25DF27A0FA5}" type="datetime1">
+              <a:rPr lang="en-US" smtClean="0"/>
+              <a:t>10/26/15</a:t>
             </a:fld>
             <a:endParaRPr lang="en-US"/>
           </a:p>
@@ -3682,12 +3651,9 @@
             <a:pPr>
               <a:defRPr/>
             </a:pPr>
-            <a:fld id="{562E6F35-6CE6-2C45-9A42-E953598AB7CD}" type="datetime1">
-              <a:rPr lang="en-US"/>
-              <a:pPr>
-                <a:defRPr/>
-              </a:pPr>
-              <a:t>10/21/15</a:t>
+            <a:fld id="{DCAE17CE-58A0-433E-8EA4-E52C065473C0}" type="datetime1">
+              <a:rPr lang="en-US" smtClean="0"/>
+              <a:t>10/26/15</a:t>
             </a:fld>
             <a:endParaRPr lang="en-US"/>
           </a:p>
@@ -3813,12 +3779,9 @@
             <a:pPr>
               <a:defRPr/>
             </a:pPr>
-            <a:fld id="{6BA49530-CC99-3844-932D-D3DEF0BD06CC}" type="datetime1">
-              <a:rPr lang="en-US"/>
-              <a:pPr>
-                <a:defRPr/>
-              </a:pPr>
-              <a:t>10/21/15</a:t>
+            <a:fld id="{CDF5F877-2F0F-4B23-83AC-23BA476A4740}" type="datetime1">
+              <a:rPr lang="en-US" smtClean="0"/>
+              <a:t>10/26/15</a:t>
             </a:fld>
             <a:endParaRPr lang="en-US"/>
           </a:p>
@@ -4126,12 +4089,9 @@
             <a:pPr>
               <a:defRPr/>
             </a:pPr>
-            <a:fld id="{D5469836-9605-C544-9C4B-22582B125545}" type="datetime1">
-              <a:rPr lang="en-US"/>
-              <a:pPr>
-                <a:defRPr/>
-              </a:pPr>
-              <a:t>10/21/15</a:t>
+            <a:fld id="{35303DEC-D690-4CCC-822A-F47E3ADA73AB}" type="datetime1">
+              <a:rPr lang="en-US" smtClean="0"/>
+              <a:t>10/26/15</a:t>
             </a:fld>
             <a:endParaRPr lang="en-US"/>
           </a:p>
@@ -4416,12 +4376,9 @@
             <a:pPr>
               <a:defRPr/>
             </a:pPr>
-            <a:fld id="{856B8694-3E40-8646-A5BF-C2426E457E21}" type="datetime1">
-              <a:rPr lang="en-US"/>
-              <a:pPr>
-                <a:defRPr/>
-              </a:pPr>
-              <a:t>10/21/15</a:t>
+            <a:fld id="{13B940BE-40BB-4566-AD44-5DCE167A0B16}" type="datetime1">
+              <a:rPr lang="en-US" smtClean="0"/>
+              <a:t>10/26/15</a:t>
             </a:fld>
             <a:endParaRPr lang="en-US"/>
           </a:p>
@@ -4725,12 +4682,9 @@
             <a:pPr>
               <a:defRPr/>
             </a:pPr>
-            <a:fld id="{7C9A1BF8-DE4B-F840-A50C-0F59EC7E047A}" type="datetime1">
-              <a:rPr lang="en-US"/>
-              <a:pPr>
-                <a:defRPr/>
-              </a:pPr>
-              <a:t>10/21/15</a:t>
+            <a:fld id="{94D7F70E-ED8C-4D5D-8BEA-ED84ADB1B633}" type="datetime1">
+              <a:rPr lang="en-US" smtClean="0"/>
+              <a:t>10/26/15</a:t>
             </a:fld>
             <a:endParaRPr lang="en-US"/>
           </a:p>
@@ -6111,13 +6065,12 @@
           </a:lstStyle>
           <a:p>
             <a:pPr eaLnBrk="1" hangingPunct="1"/>
-            <a:fld id="{B8DEC014-13D0-8B4D-B98B-01FE35E4732A}" type="datetime1">
-              <a:rPr lang="en-US" sz="1200">
+            <a:fld id="{4119B441-99DD-4DB3-9CB5-3DCD19811227}" type="datetime1">
+              <a:rPr lang="en-US" sz="1200" smtClean="0">
                 <a:latin typeface="Garamond" charset="0"/>
                 <a:cs typeface="Arial" charset="0"/>
               </a:rPr>
-              <a:pPr eaLnBrk="1" hangingPunct="1"/>
-              <a:t>10/21/15</a:t>
+              <a:t>10/26/15</a:t>
             </a:fld>
             <a:endParaRPr lang="en-US" sz="1200">
               <a:latin typeface="Garamond" charset="0"/>
@@ -6145,9 +6098,10 @@
               <a:defRPr/>
             </a:pPr>
             <a:r>
-              <a:rPr lang="en-US" altLang="en-US"/>
-              <a:t>ECE Application Programming: Lecture 22</a:t>
-            </a:r>
+              <a:rPr lang="en-US" altLang="en-US" smtClean="0"/>
+              <a:t>ECE Application Programming: Lecture 21</a:t>
+            </a:r>
+            <a:endParaRPr lang="en-US" altLang="en-US"/>
           </a:p>
         </p:txBody>
       </p:sp>
@@ -6350,2697 +6304,6 @@
       </p:grpSpPr>
       <p:sp>
         <p:nvSpPr>
-          <p:cNvPr id="8194" name="Title 1"/>
-          <p:cNvSpPr>
-            <a:spLocks noGrp="1"/>
-          </p:cNvSpPr>
-          <p:nvPr>
-            <p:ph type="title"/>
-          </p:nvPr>
-        </p:nvSpPr>
-        <p:spPr/>
-        <p:txBody>
-          <a:bodyPr/>
-          <a:lstStyle/>
-          <a:p>
-            <a:r>
-              <a:rPr lang="en-US">
-                <a:latin typeface="Garamond" charset="0"/>
-              </a:rPr>
-              <a:t>Example: Using string functions</a:t>
-            </a:r>
-          </a:p>
-        </p:txBody>
-      </p:sp>
-      <p:sp>
-        <p:nvSpPr>
-          <p:cNvPr id="8195" name="Content Placeholder 2"/>
-          <p:cNvSpPr>
-            <a:spLocks noGrp="1"/>
-          </p:cNvSpPr>
-          <p:nvPr>
-            <p:ph idx="1"/>
-          </p:nvPr>
-        </p:nvSpPr>
-        <p:spPr>
-          <a:xfrm>
-            <a:off x="304800" y="990600"/>
-            <a:ext cx="8382000" cy="5140325"/>
-          </a:xfrm>
-        </p:spPr>
-        <p:txBody>
-          <a:bodyPr/>
-          <a:lstStyle/>
-          <a:p>
-            <a:pPr>
-              <a:lnSpc>
-                <a:spcPct val="80000"/>
-              </a:lnSpc>
-            </a:pPr>
-            <a:r>
-              <a:rPr lang="en-US" sz="2600">
-                <a:latin typeface="Arial" charset="0"/>
-              </a:rPr>
-              <a:t>Works with main program in PE</a:t>
-            </a:r>
-          </a:p>
-          <a:p>
-            <a:pPr>
-              <a:lnSpc>
-                <a:spcPct val="80000"/>
-              </a:lnSpc>
-            </a:pPr>
-            <a:r>
-              <a:rPr lang="en-US" sz="2600">
-                <a:latin typeface="Arial" charset="0"/>
-              </a:rPr>
-              <a:t>Assume input strings have max of 49 chars (+ </a:t>
-            </a:r>
-            <a:r>
-              <a:rPr lang="ja-JP" altLang="en-US" sz="2600">
-                <a:latin typeface="Arial" charset="0"/>
-              </a:rPr>
-              <a:t>‘</a:t>
-            </a:r>
-            <a:r>
-              <a:rPr lang="en-US" altLang="ja-JP" sz="2600">
-                <a:latin typeface="Arial" charset="0"/>
-              </a:rPr>
-              <a:t>\0</a:t>
-            </a:r>
-            <a:r>
-              <a:rPr lang="ja-JP" altLang="en-US" sz="2600">
-                <a:latin typeface="Arial" charset="0"/>
-              </a:rPr>
-              <a:t>’</a:t>
-            </a:r>
-            <a:r>
-              <a:rPr lang="en-US" altLang="ja-JP" sz="2600">
-                <a:latin typeface="Arial" charset="0"/>
-              </a:rPr>
-              <a:t>)</a:t>
-            </a:r>
-          </a:p>
-          <a:p>
-            <a:pPr>
-              <a:lnSpc>
-                <a:spcPct val="80000"/>
-              </a:lnSpc>
-            </a:pPr>
-            <a:r>
-              <a:rPr lang="en-US" sz="2600">
-                <a:latin typeface="Arial" charset="0"/>
-              </a:rPr>
-              <a:t>Write a function to do each of the following:</a:t>
-            </a:r>
-          </a:p>
-          <a:p>
-            <a:pPr lvl="1">
-              <a:lnSpc>
-                <a:spcPct val="80000"/>
-              </a:lnSpc>
-            </a:pPr>
-            <a:r>
-              <a:rPr lang="en-US" sz="2200">
-                <a:latin typeface="Courier New" charset="0"/>
-                <a:cs typeface="Courier New" charset="0"/>
-              </a:rPr>
-              <a:t>int readStrings(char *s);</a:t>
-            </a:r>
-          </a:p>
-          <a:p>
-            <a:pPr lvl="2">
-              <a:lnSpc>
-                <a:spcPct val="80000"/>
-              </a:lnSpc>
-            </a:pPr>
-            <a:r>
-              <a:rPr lang="en-US" sz="1900">
-                <a:latin typeface="Arial" charset="0"/>
-              </a:rPr>
-              <a:t>Repeatedly read strings from standard input until the input string matches </a:t>
-            </a:r>
-            <a:r>
-              <a:rPr lang="en-US" sz="1900" i="1">
-                <a:latin typeface="Courier New" charset="0"/>
-                <a:cs typeface="Courier New" charset="0"/>
-              </a:rPr>
-              <a:t>s</a:t>
-            </a:r>
-            <a:r>
-              <a:rPr lang="en-US" sz="1900" i="1">
-                <a:latin typeface="Arial" charset="0"/>
-                <a:cs typeface="Courier New" charset="0"/>
-              </a:rPr>
-              <a:t>. </a:t>
-            </a:r>
-            <a:r>
-              <a:rPr lang="en-US" sz="1900">
-                <a:latin typeface="Arial" charset="0"/>
-                <a:cs typeface="Courier New" charset="0"/>
-              </a:rPr>
-              <a:t>Return the number of strings read.</a:t>
-            </a:r>
-            <a:endParaRPr lang="en-US" sz="1900" i="1">
-              <a:latin typeface="Courier New" charset="0"/>
-              <a:cs typeface="Courier New" charset="0"/>
-            </a:endParaRPr>
-          </a:p>
-          <a:p>
-            <a:pPr lvl="1">
-              <a:lnSpc>
-                <a:spcPct val="80000"/>
-              </a:lnSpc>
-            </a:pPr>
-            <a:r>
-              <a:rPr lang="en-US" sz="2200">
-                <a:latin typeface="Courier New" charset="0"/>
-                <a:cs typeface="Courier New" charset="0"/>
-              </a:rPr>
-              <a:t>void copyNull(char *s1, char *s2, int n);</a:t>
-            </a:r>
-          </a:p>
-          <a:p>
-            <a:pPr lvl="2">
-              <a:lnSpc>
-                <a:spcPct val="80000"/>
-              </a:lnSpc>
-            </a:pPr>
-            <a:r>
-              <a:rPr lang="en-US" sz="1900">
-                <a:latin typeface="Arial" charset="0"/>
-              </a:rPr>
-              <a:t>Copy the first </a:t>
-            </a:r>
-            <a:r>
-              <a:rPr lang="en-US" sz="1900" i="1">
-                <a:latin typeface="Courier New" charset="0"/>
-                <a:cs typeface="Courier New" charset="0"/>
-              </a:rPr>
-              <a:t>n</a:t>
-            </a:r>
-            <a:r>
-              <a:rPr lang="en-US" sz="1900">
-                <a:latin typeface="Arial" charset="0"/>
-              </a:rPr>
-              <a:t> characters of </a:t>
-            </a:r>
-            <a:r>
-              <a:rPr lang="en-US" sz="1900" i="1">
-                <a:latin typeface="Courier New" charset="0"/>
-                <a:cs typeface="Courier New" charset="0"/>
-              </a:rPr>
-              <a:t>s2</a:t>
-            </a:r>
-            <a:r>
-              <a:rPr lang="en-US" sz="1900">
-                <a:latin typeface="Arial" charset="0"/>
-              </a:rPr>
-              <a:t> into </a:t>
-            </a:r>
-            <a:r>
-              <a:rPr lang="en-US" sz="1900" i="1">
-                <a:latin typeface="Courier New" charset="0"/>
-                <a:cs typeface="Courier New" charset="0"/>
-              </a:rPr>
-              <a:t>s1</a:t>
-            </a:r>
-            <a:r>
-              <a:rPr lang="en-US" sz="1900">
-                <a:latin typeface="Arial" charset="0"/>
-              </a:rPr>
-              <a:t>, and make sure that the new version of </a:t>
-            </a:r>
-            <a:r>
-              <a:rPr lang="en-US" sz="1900" i="1">
-                <a:latin typeface="Courier New" charset="0"/>
-                <a:cs typeface="Courier New" charset="0"/>
-              </a:rPr>
-              <a:t>s1</a:t>
-            </a:r>
-            <a:r>
-              <a:rPr lang="en-US" sz="1900" i="1">
-                <a:latin typeface="Arial" charset="0"/>
-                <a:cs typeface="Courier New" charset="0"/>
-              </a:rPr>
-              <a:t> </a:t>
-            </a:r>
-            <a:r>
-              <a:rPr lang="en-US" sz="1900">
-                <a:latin typeface="Arial" charset="0"/>
-              </a:rPr>
-              <a:t>terminates with a null character.</a:t>
-            </a:r>
-          </a:p>
-          <a:p>
-            <a:pPr lvl="1">
-              <a:lnSpc>
-                <a:spcPct val="80000"/>
-              </a:lnSpc>
-            </a:pPr>
-            <a:r>
-              <a:rPr lang="en-US" sz="2200">
-                <a:latin typeface="Courier New" charset="0"/>
-                <a:cs typeface="Courier New" charset="0"/>
-              </a:rPr>
-              <a:t>int fillString(char *s, int n);</a:t>
-            </a:r>
-          </a:p>
-          <a:p>
-            <a:pPr lvl="2">
-              <a:lnSpc>
-                <a:spcPct val="80000"/>
-              </a:lnSpc>
-            </a:pPr>
-            <a:r>
-              <a:rPr lang="en-US" sz="1900">
-                <a:latin typeface="Arial" charset="0"/>
-              </a:rPr>
-              <a:t>Repeatedly read strings from standard input and concatenate them to </a:t>
-            </a:r>
-            <a:r>
-              <a:rPr lang="en-US" sz="1900" i="1">
-                <a:latin typeface="Courier New" charset="0"/>
-                <a:cs typeface="Courier New" charset="0"/>
-              </a:rPr>
-              <a:t>s</a:t>
-            </a:r>
-            <a:r>
-              <a:rPr lang="en-US" sz="1900">
-                <a:latin typeface="Arial" charset="0"/>
-              </a:rPr>
-              <a:t> until there is no room in the string. Return the final length of the string.</a:t>
-            </a:r>
-          </a:p>
-          <a:p>
-            <a:pPr lvl="3">
-              <a:lnSpc>
-                <a:spcPct val="80000"/>
-              </a:lnSpc>
-            </a:pPr>
-            <a:r>
-              <a:rPr lang="en-US" sz="1700">
-                <a:latin typeface="Arial" charset="0"/>
-              </a:rPr>
-              <a:t>For example, if s is a 6-character array already holding </a:t>
-            </a:r>
-            <a:r>
-              <a:rPr lang="ja-JP" altLang="en-US" sz="1700">
-                <a:latin typeface="Arial" charset="0"/>
-              </a:rPr>
-              <a:t>“</a:t>
-            </a:r>
-            <a:r>
-              <a:rPr lang="en-US" altLang="ja-JP" sz="1700">
-                <a:latin typeface="Arial" charset="0"/>
-              </a:rPr>
-              <a:t>abcd</a:t>
-            </a:r>
-            <a:r>
-              <a:rPr lang="ja-JP" altLang="en-US" sz="1700">
-                <a:latin typeface="Arial" charset="0"/>
-              </a:rPr>
-              <a:t>”</a:t>
-            </a:r>
-            <a:r>
-              <a:rPr lang="en-US" altLang="ja-JP" sz="1700">
-                <a:latin typeface="Arial" charset="0"/>
-              </a:rPr>
-              <a:t>:</a:t>
-            </a:r>
-          </a:p>
-          <a:p>
-            <a:pPr lvl="4">
-              <a:lnSpc>
-                <a:spcPct val="80000"/>
-              </a:lnSpc>
-            </a:pPr>
-            <a:r>
-              <a:rPr lang="en-US" sz="1700">
-                <a:latin typeface="Arial" charset="0"/>
-              </a:rPr>
-              <a:t>User enters </a:t>
-            </a:r>
-            <a:r>
-              <a:rPr lang="ja-JP" altLang="en-US" sz="1700">
-                <a:latin typeface="Arial" charset="0"/>
-              </a:rPr>
-              <a:t>“</a:t>
-            </a:r>
-            <a:r>
-              <a:rPr lang="en-US" altLang="ja-JP" sz="1700">
-                <a:latin typeface="Arial" charset="0"/>
-              </a:rPr>
-              <a:t>e</a:t>
-            </a:r>
-            <a:r>
-              <a:rPr lang="ja-JP" altLang="en-US" sz="1700">
-                <a:latin typeface="Arial" charset="0"/>
-              </a:rPr>
-              <a:t>”</a:t>
-            </a:r>
-            <a:r>
-              <a:rPr lang="en-US" altLang="ja-JP" sz="1700">
-                <a:latin typeface="Arial" charset="0"/>
-              </a:rPr>
-              <a:t>—string is full; return 5</a:t>
-            </a:r>
-          </a:p>
-          <a:p>
-            <a:pPr lvl="4">
-              <a:lnSpc>
-                <a:spcPct val="80000"/>
-              </a:lnSpc>
-            </a:pPr>
-            <a:r>
-              <a:rPr lang="en-US" sz="1700">
-                <a:latin typeface="Arial" charset="0"/>
-              </a:rPr>
-              <a:t>User enters </a:t>
-            </a:r>
-            <a:r>
-              <a:rPr lang="ja-JP" altLang="en-US" sz="1700">
-                <a:latin typeface="Arial" charset="0"/>
-              </a:rPr>
-              <a:t>“</a:t>
-            </a:r>
-            <a:r>
-              <a:rPr lang="en-US" altLang="ja-JP" sz="1700">
-                <a:latin typeface="Arial" charset="0"/>
-              </a:rPr>
-              <a:t>ef</a:t>
-            </a:r>
-            <a:r>
-              <a:rPr lang="ja-JP" altLang="en-US" sz="1700">
-                <a:latin typeface="Arial" charset="0"/>
-              </a:rPr>
-              <a:t>”</a:t>
-            </a:r>
-            <a:r>
-              <a:rPr lang="en-US" altLang="ja-JP" sz="1700">
-                <a:latin typeface="Arial" charset="0"/>
-              </a:rPr>
-              <a:t>—there</a:t>
-            </a:r>
-            <a:r>
-              <a:rPr lang="ja-JP" altLang="en-US" sz="1700">
-                <a:latin typeface="Arial" charset="0"/>
-              </a:rPr>
-              <a:t>’</a:t>
-            </a:r>
-            <a:r>
-              <a:rPr lang="en-US" altLang="ja-JP" sz="1700">
-                <a:latin typeface="Arial" charset="0"/>
-              </a:rPr>
-              <a:t>s not enough room; return 4</a:t>
-            </a:r>
-          </a:p>
-          <a:p>
-            <a:pPr lvl="2">
-              <a:lnSpc>
-                <a:spcPct val="80000"/>
-              </a:lnSpc>
-            </a:pPr>
-            <a:r>
-              <a:rPr lang="en-US" sz="1900">
-                <a:latin typeface="Arial" charset="0"/>
-              </a:rPr>
-              <a:t>Assume s initially contains null terminated string (or is empty)</a:t>
-            </a:r>
-          </a:p>
-          <a:p>
-            <a:pPr lvl="1">
-              <a:lnSpc>
-                <a:spcPct val="80000"/>
-              </a:lnSpc>
-            </a:pPr>
-            <a:endParaRPr lang="en-US" sz="2200">
-              <a:latin typeface="Arial" charset="0"/>
-            </a:endParaRPr>
-          </a:p>
-        </p:txBody>
-      </p:sp>
-      <p:sp>
-        <p:nvSpPr>
-          <p:cNvPr id="8196" name="Date Placeholder 3"/>
-          <p:cNvSpPr>
-            <a:spLocks noGrp="1"/>
-          </p:cNvSpPr>
-          <p:nvPr>
-            <p:ph type="dt" sz="quarter" idx="10"/>
-          </p:nvPr>
-        </p:nvSpPr>
-        <p:spPr>
-          <a:noFill/>
-          <a:ln/>
-          <a:extLst>
-            <a:ext uri="{909E8E84-426E-40dd-AFC4-6F175D3DCCD1}">
-              <a14:hiddenFill xmlns:a14="http://schemas.microsoft.com/office/drawing/2010/main">
-                <a:solidFill>
-                  <a:srgbClr val="FFFFFF"/>
-                </a:solidFill>
-              </a14:hiddenFill>
-            </a:ext>
-            <a:ext uri="{91240B29-F687-4f45-9708-019B960494DF}">
-              <a14:hiddenLine xmlns:a14="http://schemas.microsoft.com/office/drawing/2010/main" w="9525">
-                <a:solidFill>
-                  <a:srgbClr val="000000"/>
-                </a:solidFill>
-                <a:miter lim="800000"/>
-                <a:headEnd/>
-                <a:tailEnd/>
-              </a14:hiddenLine>
-            </a:ext>
-          </a:extLst>
-        </p:spPr>
-        <p:txBody>
-          <a:bodyPr/>
-          <a:lstStyle>
-            <a:lvl1pPr>
-              <a:defRPr sz="3000">
-                <a:solidFill>
-                  <a:schemeClr val="tx1"/>
-                </a:solidFill>
-                <a:latin typeface="Arial" charset="0"/>
-                <a:ea typeface="ＭＳ Ｐゴシック" charset="0"/>
-                <a:cs typeface="ＭＳ Ｐゴシック" charset="0"/>
-              </a:defRPr>
-            </a:lvl1pPr>
-            <a:lvl2pPr marL="742950" indent="-285750">
-              <a:defRPr sz="2600">
-                <a:solidFill>
-                  <a:schemeClr val="tx1"/>
-                </a:solidFill>
-                <a:latin typeface="Arial" charset="0"/>
-                <a:ea typeface="ＭＳ Ｐゴシック" charset="0"/>
-              </a:defRPr>
-            </a:lvl2pPr>
-            <a:lvl3pPr marL="1143000" indent="-228600">
-              <a:defRPr sz="2200">
-                <a:solidFill>
-                  <a:schemeClr val="tx1"/>
-                </a:solidFill>
-                <a:latin typeface="Arial" charset="0"/>
-                <a:ea typeface="ＭＳ Ｐゴシック" charset="0"/>
-              </a:defRPr>
-            </a:lvl3pPr>
-            <a:lvl4pPr marL="1600200" indent="-228600">
-              <a:defRPr sz="2000">
-                <a:solidFill>
-                  <a:schemeClr val="tx1"/>
-                </a:solidFill>
-                <a:latin typeface="Arial" charset="0"/>
-                <a:ea typeface="ＭＳ Ｐゴシック" charset="0"/>
-              </a:defRPr>
-            </a:lvl4pPr>
-            <a:lvl5pPr marL="2057400" indent="-228600">
-              <a:defRPr sz="2000">
-                <a:solidFill>
-                  <a:schemeClr val="tx1"/>
-                </a:solidFill>
-                <a:latin typeface="Arial" charset="0"/>
-                <a:ea typeface="ＭＳ Ｐゴシック" charset="0"/>
-              </a:defRPr>
-            </a:lvl5pPr>
-            <a:lvl6pPr marL="2514600" indent="-228600" eaLnBrk="0" hangingPunct="0">
-              <a:buFont typeface="Wingdings" charset="0"/>
-              <a:defRPr sz="2000">
-                <a:solidFill>
-                  <a:schemeClr val="tx1"/>
-                </a:solidFill>
-                <a:latin typeface="Arial" charset="0"/>
-                <a:ea typeface="ＭＳ Ｐゴシック" charset="0"/>
-              </a:defRPr>
-            </a:lvl6pPr>
-            <a:lvl7pPr marL="2971800" indent="-228600" eaLnBrk="0" hangingPunct="0">
-              <a:buFont typeface="Wingdings" charset="0"/>
-              <a:defRPr sz="2000">
-                <a:solidFill>
-                  <a:schemeClr val="tx1"/>
-                </a:solidFill>
-                <a:latin typeface="Arial" charset="0"/>
-                <a:ea typeface="ＭＳ Ｐゴシック" charset="0"/>
-              </a:defRPr>
-            </a:lvl7pPr>
-            <a:lvl8pPr marL="3429000" indent="-228600" eaLnBrk="0" hangingPunct="0">
-              <a:buFont typeface="Wingdings" charset="0"/>
-              <a:defRPr sz="2000">
-                <a:solidFill>
-                  <a:schemeClr val="tx1"/>
-                </a:solidFill>
-                <a:latin typeface="Arial" charset="0"/>
-                <a:ea typeface="ＭＳ Ｐゴシック" charset="0"/>
-              </a:defRPr>
-            </a:lvl8pPr>
-            <a:lvl9pPr marL="3886200" indent="-228600" eaLnBrk="0" hangingPunct="0">
-              <a:buFont typeface="Wingdings" charset="0"/>
-              <a:defRPr sz="2000">
-                <a:solidFill>
-                  <a:schemeClr val="tx1"/>
-                </a:solidFill>
-                <a:latin typeface="Arial" charset="0"/>
-                <a:ea typeface="ＭＳ Ｐゴシック" charset="0"/>
-              </a:defRPr>
-            </a:lvl9pPr>
-          </a:lstStyle>
-          <a:p>
-            <a:fld id="{5C7F4D2D-9EBA-0640-98D0-DB10CA62C1BE}" type="datetime1">
-              <a:rPr lang="en-US" sz="1200">
-                <a:latin typeface="Garamond" charset="0"/>
-              </a:rPr>
-              <a:pPr/>
-              <a:t>10/21/15</a:t>
-            </a:fld>
-            <a:endParaRPr lang="en-US" sz="1200">
-              <a:latin typeface="Garamond" charset="0"/>
-            </a:endParaRPr>
-          </a:p>
-        </p:txBody>
-      </p:sp>
-      <p:sp>
-        <p:nvSpPr>
-          <p:cNvPr id="5" name="Footer Placeholder 4"/>
-          <p:cNvSpPr>
-            <a:spLocks noGrp="1"/>
-          </p:cNvSpPr>
-          <p:nvPr>
-            <p:ph type="ftr" sz="quarter" idx="11"/>
-          </p:nvPr>
-        </p:nvSpPr>
-        <p:spPr/>
-        <p:txBody>
-          <a:bodyPr/>
-          <a:lstStyle/>
-          <a:p>
-            <a:pPr>
-              <a:defRPr/>
-            </a:pPr>
-            <a:r>
-              <a:rPr lang="en-US" altLang="en-US"/>
-              <a:t>ECE Application Programming: Lecture 22</a:t>
-            </a:r>
-          </a:p>
-        </p:txBody>
-      </p:sp>
-      <p:sp>
-        <p:nvSpPr>
-          <p:cNvPr id="8198" name="Slide Number Placeholder 5"/>
-          <p:cNvSpPr>
-            <a:spLocks noGrp="1"/>
-          </p:cNvSpPr>
-          <p:nvPr>
-            <p:ph type="sldNum" sz="quarter" idx="12"/>
-          </p:nvPr>
-        </p:nvSpPr>
-        <p:spPr>
-          <a:noFill/>
-          <a:ln/>
-          <a:extLst>
-            <a:ext uri="{909E8E84-426E-40dd-AFC4-6F175D3DCCD1}">
-              <a14:hiddenFill xmlns:a14="http://schemas.microsoft.com/office/drawing/2010/main">
-                <a:solidFill>
-                  <a:srgbClr val="FFFFFF"/>
-                </a:solidFill>
-              </a14:hiddenFill>
-            </a:ext>
-            <a:ext uri="{91240B29-F687-4f45-9708-019B960494DF}">
-              <a14:hiddenLine xmlns:a14="http://schemas.microsoft.com/office/drawing/2010/main" w="9525">
-                <a:solidFill>
-                  <a:srgbClr val="000000"/>
-                </a:solidFill>
-                <a:miter lim="800000"/>
-                <a:headEnd/>
-                <a:tailEnd/>
-              </a14:hiddenLine>
-            </a:ext>
-          </a:extLst>
-        </p:spPr>
-        <p:txBody>
-          <a:bodyPr/>
-          <a:lstStyle>
-            <a:lvl1pPr>
-              <a:defRPr sz="3000">
-                <a:solidFill>
-                  <a:schemeClr val="tx1"/>
-                </a:solidFill>
-                <a:latin typeface="Arial" charset="0"/>
-                <a:ea typeface="ＭＳ Ｐゴシック" charset="0"/>
-                <a:cs typeface="ＭＳ Ｐゴシック" charset="0"/>
-              </a:defRPr>
-            </a:lvl1pPr>
-            <a:lvl2pPr marL="742950" indent="-285750">
-              <a:defRPr sz="2600">
-                <a:solidFill>
-                  <a:schemeClr val="tx1"/>
-                </a:solidFill>
-                <a:latin typeface="Arial" charset="0"/>
-                <a:ea typeface="ＭＳ Ｐゴシック" charset="0"/>
-              </a:defRPr>
-            </a:lvl2pPr>
-            <a:lvl3pPr marL="1143000" indent="-228600">
-              <a:defRPr sz="2200">
-                <a:solidFill>
-                  <a:schemeClr val="tx1"/>
-                </a:solidFill>
-                <a:latin typeface="Arial" charset="0"/>
-                <a:ea typeface="ＭＳ Ｐゴシック" charset="0"/>
-              </a:defRPr>
-            </a:lvl3pPr>
-            <a:lvl4pPr marL="1600200" indent="-228600">
-              <a:defRPr sz="2000">
-                <a:solidFill>
-                  <a:schemeClr val="tx1"/>
-                </a:solidFill>
-                <a:latin typeface="Arial" charset="0"/>
-                <a:ea typeface="ＭＳ Ｐゴシック" charset="0"/>
-              </a:defRPr>
-            </a:lvl4pPr>
-            <a:lvl5pPr marL="2057400" indent="-228600">
-              <a:defRPr sz="2000">
-                <a:solidFill>
-                  <a:schemeClr val="tx1"/>
-                </a:solidFill>
-                <a:latin typeface="Arial" charset="0"/>
-                <a:ea typeface="ＭＳ Ｐゴシック" charset="0"/>
-              </a:defRPr>
-            </a:lvl5pPr>
-            <a:lvl6pPr marL="2514600" indent="-228600" eaLnBrk="0" hangingPunct="0">
-              <a:buFont typeface="Wingdings" charset="0"/>
-              <a:defRPr sz="2000">
-                <a:solidFill>
-                  <a:schemeClr val="tx1"/>
-                </a:solidFill>
-                <a:latin typeface="Arial" charset="0"/>
-                <a:ea typeface="ＭＳ Ｐゴシック" charset="0"/>
-              </a:defRPr>
-            </a:lvl6pPr>
-            <a:lvl7pPr marL="2971800" indent="-228600" eaLnBrk="0" hangingPunct="0">
-              <a:buFont typeface="Wingdings" charset="0"/>
-              <a:defRPr sz="2000">
-                <a:solidFill>
-                  <a:schemeClr val="tx1"/>
-                </a:solidFill>
-                <a:latin typeface="Arial" charset="0"/>
-                <a:ea typeface="ＭＳ Ｐゴシック" charset="0"/>
-              </a:defRPr>
-            </a:lvl7pPr>
-            <a:lvl8pPr marL="3429000" indent="-228600" eaLnBrk="0" hangingPunct="0">
-              <a:buFont typeface="Wingdings" charset="0"/>
-              <a:defRPr sz="2000">
-                <a:solidFill>
-                  <a:schemeClr val="tx1"/>
-                </a:solidFill>
-                <a:latin typeface="Arial" charset="0"/>
-                <a:ea typeface="ＭＳ Ｐゴシック" charset="0"/>
-              </a:defRPr>
-            </a:lvl8pPr>
-            <a:lvl9pPr marL="3886200" indent="-228600" eaLnBrk="0" hangingPunct="0">
-              <a:buFont typeface="Wingdings" charset="0"/>
-              <a:defRPr sz="2000">
-                <a:solidFill>
-                  <a:schemeClr val="tx1"/>
-                </a:solidFill>
-                <a:latin typeface="Arial" charset="0"/>
-                <a:ea typeface="ＭＳ Ｐゴシック" charset="0"/>
-              </a:defRPr>
-            </a:lvl9pPr>
-          </a:lstStyle>
-          <a:p>
-            <a:fld id="{72F302D1-A9CB-8F46-B350-F34C7357855C}" type="slidenum">
-              <a:rPr lang="en-US" sz="1200">
-                <a:latin typeface="Garamond" charset="0"/>
-              </a:rPr>
-              <a:pPr/>
-              <a:t>11</a:t>
-            </a:fld>
-            <a:endParaRPr lang="en-US" sz="1200">
-              <a:latin typeface="Garamond" charset="0"/>
-            </a:endParaRPr>
-          </a:p>
-        </p:txBody>
-      </p:sp>
-    </p:spTree>
-    <p:extLst>
-      <p:ext uri="{BB962C8B-B14F-4D97-AF65-F5344CB8AC3E}">
-        <p14:creationId xmlns:p14="http://schemas.microsoft.com/office/powerpoint/2010/main" val="38669305"/>
-      </p:ext>
-    </p:extLst>
-  </p:cSld>
-  <p:clrMapOvr>
-    <a:masterClrMapping/>
-  </p:clrMapOvr>
-  <p:timing>
-    <p:tnLst>
-      <p:par>
-        <p:cTn xmlns:p14="http://schemas.microsoft.com/office/powerpoint/2010/main" id="1" dur="indefinite" restart="never" nodeType="tmRoot"/>
-      </p:par>
-    </p:tnLst>
-  </p:timing>
-</p:sld>
-</file>
-
-<file path=ppt/slides/slide12.xml><?xml version="1.0" encoding="utf-8"?>
-<p:sld xmlns:a="http://schemas.openxmlformats.org/drawingml/2006/main" xmlns:r="http://schemas.openxmlformats.org/officeDocument/2006/relationships" xmlns:p="http://schemas.openxmlformats.org/presentationml/2006/main">
-  <p:cSld>
-    <p:spTree>
-      <p:nvGrpSpPr>
-        <p:cNvPr id="1" name=""/>
-        <p:cNvGrpSpPr/>
-        <p:nvPr/>
-      </p:nvGrpSpPr>
-      <p:grpSpPr>
-        <a:xfrm>
-          <a:off x="0" y="0"/>
-          <a:ext cx="0" cy="0"/>
-          <a:chOff x="0" y="0"/>
-          <a:chExt cx="0" cy="0"/>
-        </a:xfrm>
-      </p:grpSpPr>
-      <p:sp>
-        <p:nvSpPr>
-          <p:cNvPr id="10242" name="Title 1"/>
-          <p:cNvSpPr>
-            <a:spLocks noGrp="1"/>
-          </p:cNvSpPr>
-          <p:nvPr>
-            <p:ph type="title"/>
-          </p:nvPr>
-        </p:nvSpPr>
-        <p:spPr/>
-        <p:txBody>
-          <a:bodyPr/>
-          <a:lstStyle/>
-          <a:p>
-            <a:r>
-              <a:rPr lang="en-US">
-                <a:latin typeface="Garamond" charset="0"/>
-              </a:rPr>
-              <a:t>Example solution</a:t>
-            </a:r>
-          </a:p>
-        </p:txBody>
-      </p:sp>
-      <p:sp>
-        <p:nvSpPr>
-          <p:cNvPr id="10243" name="Content Placeholder 2"/>
-          <p:cNvSpPr>
-            <a:spLocks noGrp="1"/>
-          </p:cNvSpPr>
-          <p:nvPr>
-            <p:ph idx="1"/>
-          </p:nvPr>
-        </p:nvSpPr>
-        <p:spPr/>
-        <p:txBody>
-          <a:bodyPr/>
-          <a:lstStyle/>
-          <a:p>
-            <a:pPr marL="342900" lvl="1" indent="-342900">
-              <a:buClr>
-                <a:schemeClr val="accent1"/>
-              </a:buClr>
-              <a:buSzPct val="65000"/>
-              <a:buFont typeface="Wingdings" charset="0"/>
-              <a:buNone/>
-            </a:pPr>
-            <a:r>
-              <a:rPr lang="en-US">
-                <a:latin typeface="Courier New" charset="0"/>
-                <a:cs typeface="Courier New" charset="0"/>
-              </a:rPr>
-              <a:t>int readStrings(char *s) {</a:t>
-            </a:r>
-          </a:p>
-          <a:p>
-            <a:pPr marL="342900" lvl="1" indent="-342900">
-              <a:buClr>
-                <a:schemeClr val="accent1"/>
-              </a:buClr>
-              <a:buSzPct val="65000"/>
-              <a:buFont typeface="Wingdings" charset="0"/>
-              <a:buNone/>
-            </a:pPr>
-            <a:r>
-              <a:rPr lang="en-US">
-                <a:latin typeface="Courier New" charset="0"/>
-                <a:cs typeface="Courier New" charset="0"/>
-              </a:rPr>
-              <a:t>	char str[50];	// Assume max 50 chars</a:t>
-            </a:r>
-          </a:p>
-          <a:p>
-            <a:pPr marL="342900" lvl="1" indent="-342900">
-              <a:buClr>
-                <a:schemeClr val="accent1"/>
-              </a:buClr>
-              <a:buSzPct val="65000"/>
-              <a:buFont typeface="Wingdings" charset="0"/>
-              <a:buNone/>
-            </a:pPr>
-            <a:r>
-              <a:rPr lang="en-US">
-                <a:latin typeface="Courier New" charset="0"/>
-                <a:cs typeface="Courier New" charset="0"/>
-              </a:rPr>
-              <a:t>	int count = 0;</a:t>
-            </a:r>
-          </a:p>
-          <a:p>
-            <a:pPr marL="342900" lvl="1" indent="-342900">
-              <a:buClr>
-                <a:schemeClr val="accent1"/>
-              </a:buClr>
-              <a:buSzPct val="65000"/>
-              <a:buFont typeface="Wingdings" charset="0"/>
-              <a:buNone/>
-            </a:pPr>
-            <a:r>
-              <a:rPr lang="en-US">
-                <a:latin typeface="Courier New" charset="0"/>
-                <a:cs typeface="Courier New" charset="0"/>
-              </a:rPr>
-              <a:t>	do {</a:t>
-            </a:r>
-          </a:p>
-          <a:p>
-            <a:pPr marL="342900" lvl="1" indent="-342900">
-              <a:buClr>
-                <a:schemeClr val="accent1"/>
-              </a:buClr>
-              <a:buSzPct val="65000"/>
-              <a:buFont typeface="Wingdings" charset="0"/>
-              <a:buNone/>
-            </a:pPr>
-            <a:r>
-              <a:rPr lang="en-US">
-                <a:latin typeface="Courier New" charset="0"/>
-                <a:cs typeface="Courier New" charset="0"/>
-              </a:rPr>
-              <a:t>		scanf(“%s”, str);	// NOTE: do not</a:t>
-            </a:r>
-          </a:p>
-          <a:p>
-            <a:pPr marL="342900" lvl="1" indent="-342900">
-              <a:buClr>
-                <a:schemeClr val="accent1"/>
-              </a:buClr>
-              <a:buSzPct val="65000"/>
-              <a:buFont typeface="Wingdings" charset="0"/>
-              <a:buNone/>
-            </a:pPr>
-            <a:r>
-              <a:rPr lang="en-US">
-                <a:latin typeface="Courier New" charset="0"/>
-                <a:cs typeface="Courier New" charset="0"/>
-              </a:rPr>
-              <a:t>						// need &amp;str</a:t>
-            </a:r>
-          </a:p>
-          <a:p>
-            <a:pPr marL="342900" lvl="1" indent="-342900">
-              <a:buClr>
-                <a:schemeClr val="accent1"/>
-              </a:buClr>
-              <a:buSzPct val="65000"/>
-              <a:buFont typeface="Wingdings" charset="0"/>
-              <a:buNone/>
-            </a:pPr>
-            <a:r>
-              <a:rPr lang="en-US">
-                <a:latin typeface="Courier New" charset="0"/>
-                <a:cs typeface="Courier New" charset="0"/>
-              </a:rPr>
-              <a:t>		count++;</a:t>
-            </a:r>
-          </a:p>
-          <a:p>
-            <a:pPr marL="342900" lvl="1" indent="-342900">
-              <a:buClr>
-                <a:schemeClr val="accent1"/>
-              </a:buClr>
-              <a:buSzPct val="65000"/>
-              <a:buFont typeface="Wingdings" charset="0"/>
-              <a:buNone/>
-            </a:pPr>
-            <a:r>
-              <a:rPr lang="en-US">
-                <a:latin typeface="Courier New" charset="0"/>
-                <a:cs typeface="Courier New" charset="0"/>
-              </a:rPr>
-              <a:t>	} while (strcmp(str, s) != 0);</a:t>
-            </a:r>
-          </a:p>
-          <a:p>
-            <a:pPr marL="342900" lvl="1" indent="-342900">
-              <a:buClr>
-                <a:schemeClr val="accent1"/>
-              </a:buClr>
-              <a:buSzPct val="65000"/>
-              <a:buFont typeface="Wingdings" charset="0"/>
-              <a:buNone/>
-            </a:pPr>
-            <a:r>
-              <a:rPr lang="en-US">
-                <a:latin typeface="Courier New" charset="0"/>
-                <a:cs typeface="Courier New" charset="0"/>
-              </a:rPr>
-              <a:t>	return count;</a:t>
-            </a:r>
-          </a:p>
-          <a:p>
-            <a:pPr marL="342900" lvl="1" indent="-342900">
-              <a:buClr>
-                <a:schemeClr val="accent1"/>
-              </a:buClr>
-              <a:buSzPct val="65000"/>
-              <a:buFont typeface="Wingdings" charset="0"/>
-              <a:buNone/>
-            </a:pPr>
-            <a:r>
-              <a:rPr lang="en-US">
-                <a:latin typeface="Courier New" charset="0"/>
-                <a:cs typeface="Courier New" charset="0"/>
-              </a:rPr>
-              <a:t>}</a:t>
-            </a:r>
-          </a:p>
-        </p:txBody>
-      </p:sp>
-      <p:sp>
-        <p:nvSpPr>
-          <p:cNvPr id="10244" name="Date Placeholder 3"/>
-          <p:cNvSpPr>
-            <a:spLocks noGrp="1"/>
-          </p:cNvSpPr>
-          <p:nvPr>
-            <p:ph type="dt" sz="quarter" idx="10"/>
-          </p:nvPr>
-        </p:nvSpPr>
-        <p:spPr>
-          <a:noFill/>
-          <a:ln/>
-          <a:extLst>
-            <a:ext uri="{909E8E84-426E-40dd-AFC4-6F175D3DCCD1}">
-              <a14:hiddenFill xmlns:a14="http://schemas.microsoft.com/office/drawing/2010/main">
-                <a:solidFill>
-                  <a:srgbClr val="FFFFFF"/>
-                </a:solidFill>
-              </a14:hiddenFill>
-            </a:ext>
-            <a:ext uri="{91240B29-F687-4f45-9708-019B960494DF}">
-              <a14:hiddenLine xmlns:a14="http://schemas.microsoft.com/office/drawing/2010/main" w="9525">
-                <a:solidFill>
-                  <a:srgbClr val="000000"/>
-                </a:solidFill>
-                <a:miter lim="800000"/>
-                <a:headEnd/>
-                <a:tailEnd/>
-              </a14:hiddenLine>
-            </a:ext>
-          </a:extLst>
-        </p:spPr>
-        <p:txBody>
-          <a:bodyPr/>
-          <a:lstStyle>
-            <a:lvl1pPr>
-              <a:defRPr sz="3000">
-                <a:solidFill>
-                  <a:schemeClr val="tx1"/>
-                </a:solidFill>
-                <a:latin typeface="Arial" charset="0"/>
-                <a:ea typeface="ＭＳ Ｐゴシック" charset="0"/>
-                <a:cs typeface="ＭＳ Ｐゴシック" charset="0"/>
-              </a:defRPr>
-            </a:lvl1pPr>
-            <a:lvl2pPr marL="742950" indent="-285750">
-              <a:defRPr sz="2600">
-                <a:solidFill>
-                  <a:schemeClr val="tx1"/>
-                </a:solidFill>
-                <a:latin typeface="Arial" charset="0"/>
-                <a:ea typeface="ＭＳ Ｐゴシック" charset="0"/>
-              </a:defRPr>
-            </a:lvl2pPr>
-            <a:lvl3pPr marL="1143000" indent="-228600">
-              <a:defRPr sz="2200">
-                <a:solidFill>
-                  <a:schemeClr val="tx1"/>
-                </a:solidFill>
-                <a:latin typeface="Arial" charset="0"/>
-                <a:ea typeface="ＭＳ Ｐゴシック" charset="0"/>
-              </a:defRPr>
-            </a:lvl3pPr>
-            <a:lvl4pPr marL="1600200" indent="-228600">
-              <a:defRPr sz="2000">
-                <a:solidFill>
-                  <a:schemeClr val="tx1"/>
-                </a:solidFill>
-                <a:latin typeface="Arial" charset="0"/>
-                <a:ea typeface="ＭＳ Ｐゴシック" charset="0"/>
-              </a:defRPr>
-            </a:lvl4pPr>
-            <a:lvl5pPr marL="2057400" indent="-228600">
-              <a:defRPr sz="2000">
-                <a:solidFill>
-                  <a:schemeClr val="tx1"/>
-                </a:solidFill>
-                <a:latin typeface="Arial" charset="0"/>
-                <a:ea typeface="ＭＳ Ｐゴシック" charset="0"/>
-              </a:defRPr>
-            </a:lvl5pPr>
-            <a:lvl6pPr marL="2514600" indent="-228600" eaLnBrk="0" hangingPunct="0">
-              <a:buFont typeface="Wingdings" charset="0"/>
-              <a:defRPr sz="2000">
-                <a:solidFill>
-                  <a:schemeClr val="tx1"/>
-                </a:solidFill>
-                <a:latin typeface="Arial" charset="0"/>
-                <a:ea typeface="ＭＳ Ｐゴシック" charset="0"/>
-              </a:defRPr>
-            </a:lvl6pPr>
-            <a:lvl7pPr marL="2971800" indent="-228600" eaLnBrk="0" hangingPunct="0">
-              <a:buFont typeface="Wingdings" charset="0"/>
-              <a:defRPr sz="2000">
-                <a:solidFill>
-                  <a:schemeClr val="tx1"/>
-                </a:solidFill>
-                <a:latin typeface="Arial" charset="0"/>
-                <a:ea typeface="ＭＳ Ｐゴシック" charset="0"/>
-              </a:defRPr>
-            </a:lvl7pPr>
-            <a:lvl8pPr marL="3429000" indent="-228600" eaLnBrk="0" hangingPunct="0">
-              <a:buFont typeface="Wingdings" charset="0"/>
-              <a:defRPr sz="2000">
-                <a:solidFill>
-                  <a:schemeClr val="tx1"/>
-                </a:solidFill>
-                <a:latin typeface="Arial" charset="0"/>
-                <a:ea typeface="ＭＳ Ｐゴシック" charset="0"/>
-              </a:defRPr>
-            </a:lvl8pPr>
-            <a:lvl9pPr marL="3886200" indent="-228600" eaLnBrk="0" hangingPunct="0">
-              <a:buFont typeface="Wingdings" charset="0"/>
-              <a:defRPr sz="2000">
-                <a:solidFill>
-                  <a:schemeClr val="tx1"/>
-                </a:solidFill>
-                <a:latin typeface="Arial" charset="0"/>
-                <a:ea typeface="ＭＳ Ｐゴシック" charset="0"/>
-              </a:defRPr>
-            </a:lvl9pPr>
-          </a:lstStyle>
-          <a:p>
-            <a:fld id="{73C01455-3A81-6D4B-A7BB-4E17ACA3C78C}" type="datetime1">
-              <a:rPr lang="en-US" sz="1200">
-                <a:latin typeface="Garamond" charset="0"/>
-              </a:rPr>
-              <a:pPr/>
-              <a:t>10/21/15</a:t>
-            </a:fld>
-            <a:endParaRPr lang="en-US" sz="1200">
-              <a:latin typeface="Garamond" charset="0"/>
-            </a:endParaRPr>
-          </a:p>
-        </p:txBody>
-      </p:sp>
-      <p:sp>
-        <p:nvSpPr>
-          <p:cNvPr id="5" name="Footer Placeholder 4"/>
-          <p:cNvSpPr>
-            <a:spLocks noGrp="1"/>
-          </p:cNvSpPr>
-          <p:nvPr>
-            <p:ph type="ftr" sz="quarter" idx="11"/>
-          </p:nvPr>
-        </p:nvSpPr>
-        <p:spPr/>
-        <p:txBody>
-          <a:bodyPr/>
-          <a:lstStyle/>
-          <a:p>
-            <a:pPr>
-              <a:defRPr/>
-            </a:pPr>
-            <a:r>
-              <a:rPr lang="en-US" altLang="en-US"/>
-              <a:t>ECE Application Programming: Lecture 22</a:t>
-            </a:r>
-          </a:p>
-        </p:txBody>
-      </p:sp>
-      <p:sp>
-        <p:nvSpPr>
-          <p:cNvPr id="10246" name="Slide Number Placeholder 5"/>
-          <p:cNvSpPr>
-            <a:spLocks noGrp="1"/>
-          </p:cNvSpPr>
-          <p:nvPr>
-            <p:ph type="sldNum" sz="quarter" idx="12"/>
-          </p:nvPr>
-        </p:nvSpPr>
-        <p:spPr>
-          <a:noFill/>
-          <a:ln/>
-          <a:extLst>
-            <a:ext uri="{909E8E84-426E-40dd-AFC4-6F175D3DCCD1}">
-              <a14:hiddenFill xmlns:a14="http://schemas.microsoft.com/office/drawing/2010/main">
-                <a:solidFill>
-                  <a:srgbClr val="FFFFFF"/>
-                </a:solidFill>
-              </a14:hiddenFill>
-            </a:ext>
-            <a:ext uri="{91240B29-F687-4f45-9708-019B960494DF}">
-              <a14:hiddenLine xmlns:a14="http://schemas.microsoft.com/office/drawing/2010/main" w="9525">
-                <a:solidFill>
-                  <a:srgbClr val="000000"/>
-                </a:solidFill>
-                <a:miter lim="800000"/>
-                <a:headEnd/>
-                <a:tailEnd/>
-              </a14:hiddenLine>
-            </a:ext>
-          </a:extLst>
-        </p:spPr>
-        <p:txBody>
-          <a:bodyPr/>
-          <a:lstStyle>
-            <a:lvl1pPr>
-              <a:defRPr sz="3000">
-                <a:solidFill>
-                  <a:schemeClr val="tx1"/>
-                </a:solidFill>
-                <a:latin typeface="Arial" charset="0"/>
-                <a:ea typeface="ＭＳ Ｐゴシック" charset="0"/>
-                <a:cs typeface="ＭＳ Ｐゴシック" charset="0"/>
-              </a:defRPr>
-            </a:lvl1pPr>
-            <a:lvl2pPr marL="742950" indent="-285750">
-              <a:defRPr sz="2600">
-                <a:solidFill>
-                  <a:schemeClr val="tx1"/>
-                </a:solidFill>
-                <a:latin typeface="Arial" charset="0"/>
-                <a:ea typeface="ＭＳ Ｐゴシック" charset="0"/>
-              </a:defRPr>
-            </a:lvl2pPr>
-            <a:lvl3pPr marL="1143000" indent="-228600">
-              <a:defRPr sz="2200">
-                <a:solidFill>
-                  <a:schemeClr val="tx1"/>
-                </a:solidFill>
-                <a:latin typeface="Arial" charset="0"/>
-                <a:ea typeface="ＭＳ Ｐゴシック" charset="0"/>
-              </a:defRPr>
-            </a:lvl3pPr>
-            <a:lvl4pPr marL="1600200" indent="-228600">
-              <a:defRPr sz="2000">
-                <a:solidFill>
-                  <a:schemeClr val="tx1"/>
-                </a:solidFill>
-                <a:latin typeface="Arial" charset="0"/>
-                <a:ea typeface="ＭＳ Ｐゴシック" charset="0"/>
-              </a:defRPr>
-            </a:lvl4pPr>
-            <a:lvl5pPr marL="2057400" indent="-228600">
-              <a:defRPr sz="2000">
-                <a:solidFill>
-                  <a:schemeClr val="tx1"/>
-                </a:solidFill>
-                <a:latin typeface="Arial" charset="0"/>
-                <a:ea typeface="ＭＳ Ｐゴシック" charset="0"/>
-              </a:defRPr>
-            </a:lvl5pPr>
-            <a:lvl6pPr marL="2514600" indent="-228600" eaLnBrk="0" hangingPunct="0">
-              <a:buFont typeface="Wingdings" charset="0"/>
-              <a:defRPr sz="2000">
-                <a:solidFill>
-                  <a:schemeClr val="tx1"/>
-                </a:solidFill>
-                <a:latin typeface="Arial" charset="0"/>
-                <a:ea typeface="ＭＳ Ｐゴシック" charset="0"/>
-              </a:defRPr>
-            </a:lvl6pPr>
-            <a:lvl7pPr marL="2971800" indent="-228600" eaLnBrk="0" hangingPunct="0">
-              <a:buFont typeface="Wingdings" charset="0"/>
-              <a:defRPr sz="2000">
-                <a:solidFill>
-                  <a:schemeClr val="tx1"/>
-                </a:solidFill>
-                <a:latin typeface="Arial" charset="0"/>
-                <a:ea typeface="ＭＳ Ｐゴシック" charset="0"/>
-              </a:defRPr>
-            </a:lvl7pPr>
-            <a:lvl8pPr marL="3429000" indent="-228600" eaLnBrk="0" hangingPunct="0">
-              <a:buFont typeface="Wingdings" charset="0"/>
-              <a:defRPr sz="2000">
-                <a:solidFill>
-                  <a:schemeClr val="tx1"/>
-                </a:solidFill>
-                <a:latin typeface="Arial" charset="0"/>
-                <a:ea typeface="ＭＳ Ｐゴシック" charset="0"/>
-              </a:defRPr>
-            </a:lvl8pPr>
-            <a:lvl9pPr marL="3886200" indent="-228600" eaLnBrk="0" hangingPunct="0">
-              <a:buFont typeface="Wingdings" charset="0"/>
-              <a:defRPr sz="2000">
-                <a:solidFill>
-                  <a:schemeClr val="tx1"/>
-                </a:solidFill>
-                <a:latin typeface="Arial" charset="0"/>
-                <a:ea typeface="ＭＳ Ｐゴシック" charset="0"/>
-              </a:defRPr>
-            </a:lvl9pPr>
-          </a:lstStyle>
-          <a:p>
-            <a:fld id="{08D357AD-14BA-414A-9B5F-0DFC5E8A4518}" type="slidenum">
-              <a:rPr lang="en-US" sz="1200">
-                <a:latin typeface="Garamond" charset="0"/>
-              </a:rPr>
-              <a:pPr/>
-              <a:t>12</a:t>
-            </a:fld>
-            <a:endParaRPr lang="en-US" sz="1200">
-              <a:latin typeface="Garamond" charset="0"/>
-            </a:endParaRPr>
-          </a:p>
-        </p:txBody>
-      </p:sp>
-    </p:spTree>
-    <p:extLst>
-      <p:ext uri="{BB962C8B-B14F-4D97-AF65-F5344CB8AC3E}">
-        <p14:creationId xmlns:p14="http://schemas.microsoft.com/office/powerpoint/2010/main" val="2219908703"/>
-      </p:ext>
-    </p:extLst>
-  </p:cSld>
-  <p:clrMapOvr>
-    <a:masterClrMapping/>
-  </p:clrMapOvr>
-  <p:timing>
-    <p:tnLst>
-      <p:par>
-        <p:cTn xmlns:p14="http://schemas.microsoft.com/office/powerpoint/2010/main" id="1" dur="indefinite" restart="never" nodeType="tmRoot"/>
-      </p:par>
-    </p:tnLst>
-  </p:timing>
-</p:sld>
-</file>
-
-<file path=ppt/slides/slide13.xml><?xml version="1.0" encoding="utf-8"?>
-<p:sld xmlns:a="http://schemas.openxmlformats.org/drawingml/2006/main" xmlns:r="http://schemas.openxmlformats.org/officeDocument/2006/relationships" xmlns:p="http://schemas.openxmlformats.org/presentationml/2006/main">
-  <p:cSld>
-    <p:spTree>
-      <p:nvGrpSpPr>
-        <p:cNvPr id="1" name=""/>
-        <p:cNvGrpSpPr/>
-        <p:nvPr/>
-      </p:nvGrpSpPr>
-      <p:grpSpPr>
-        <a:xfrm>
-          <a:off x="0" y="0"/>
-          <a:ext cx="0" cy="0"/>
-          <a:chOff x="0" y="0"/>
-          <a:chExt cx="0" cy="0"/>
-        </a:xfrm>
-      </p:grpSpPr>
-      <p:sp>
-        <p:nvSpPr>
-          <p:cNvPr id="11266" name="Title 1"/>
-          <p:cNvSpPr>
-            <a:spLocks noGrp="1"/>
-          </p:cNvSpPr>
-          <p:nvPr>
-            <p:ph type="title"/>
-          </p:nvPr>
-        </p:nvSpPr>
-        <p:spPr/>
-        <p:txBody>
-          <a:bodyPr/>
-          <a:lstStyle/>
-          <a:p>
-            <a:r>
-              <a:rPr lang="en-US">
-                <a:latin typeface="Garamond" charset="0"/>
-              </a:rPr>
-              <a:t>Example solution (cont.)</a:t>
-            </a:r>
-          </a:p>
-        </p:txBody>
-      </p:sp>
-      <p:sp>
-        <p:nvSpPr>
-          <p:cNvPr id="11267" name="Content Placeholder 2"/>
-          <p:cNvSpPr>
-            <a:spLocks noGrp="1"/>
-          </p:cNvSpPr>
-          <p:nvPr>
-            <p:ph idx="1"/>
-          </p:nvPr>
-        </p:nvSpPr>
-        <p:spPr>
-          <a:xfrm>
-            <a:off x="228600" y="1143000"/>
-            <a:ext cx="8686800" cy="4987925"/>
-          </a:xfrm>
-        </p:spPr>
-        <p:txBody>
-          <a:bodyPr/>
-          <a:lstStyle/>
-          <a:p>
-            <a:pPr marL="342900" lvl="1" indent="-342900">
-              <a:buClr>
-                <a:schemeClr val="accent1"/>
-              </a:buClr>
-              <a:buSzPct val="65000"/>
-              <a:buFont typeface="Wingdings" charset="0"/>
-              <a:buNone/>
-            </a:pPr>
-            <a:r>
-              <a:rPr lang="en-US">
-                <a:latin typeface="Courier New" charset="0"/>
-                <a:cs typeface="Courier New" charset="0"/>
-              </a:rPr>
-              <a:t>void copyNull(char *s1, char *s2, int n) {</a:t>
-            </a:r>
-          </a:p>
-          <a:p>
-            <a:pPr marL="342900" lvl="1" indent="-342900">
-              <a:buClr>
-                <a:schemeClr val="accent1"/>
-              </a:buClr>
-              <a:buSzPct val="65000"/>
-              <a:buFont typeface="Wingdings" charset="0"/>
-              <a:buNone/>
-            </a:pPr>
-            <a:r>
-              <a:rPr lang="en-US">
-                <a:latin typeface="Courier New" charset="0"/>
-                <a:cs typeface="Courier New" charset="0"/>
-              </a:rPr>
-              <a:t>	strncpy(s1, s2, n);</a:t>
-            </a:r>
-          </a:p>
-          <a:p>
-            <a:pPr marL="342900" lvl="1" indent="-342900">
-              <a:buClr>
-                <a:schemeClr val="accent1"/>
-              </a:buClr>
-              <a:buSzPct val="65000"/>
-              <a:buFont typeface="Wingdings" charset="0"/>
-              <a:buNone/>
-            </a:pPr>
-            <a:r>
-              <a:rPr lang="en-US">
-                <a:latin typeface="Courier New" charset="0"/>
-                <a:cs typeface="Courier New" charset="0"/>
-              </a:rPr>
-              <a:t>	s1[n] = ‘\0’;</a:t>
-            </a:r>
-          </a:p>
-          <a:p>
-            <a:pPr marL="342900" lvl="1" indent="-342900">
-              <a:buClr>
-                <a:schemeClr val="accent1"/>
-              </a:buClr>
-              <a:buSzPct val="65000"/>
-              <a:buFont typeface="Wingdings" charset="0"/>
-              <a:buNone/>
-            </a:pPr>
-            <a:r>
-              <a:rPr lang="en-US">
-                <a:latin typeface="Courier New" charset="0"/>
-                <a:cs typeface="Courier New" charset="0"/>
-              </a:rPr>
-              <a:t>}</a:t>
-            </a:r>
-          </a:p>
-          <a:p>
-            <a:endParaRPr lang="en-US">
-              <a:latin typeface="Arial" charset="0"/>
-            </a:endParaRPr>
-          </a:p>
-        </p:txBody>
-      </p:sp>
-      <p:sp>
-        <p:nvSpPr>
-          <p:cNvPr id="11268" name="Date Placeholder 3"/>
-          <p:cNvSpPr>
-            <a:spLocks noGrp="1"/>
-          </p:cNvSpPr>
-          <p:nvPr>
-            <p:ph type="dt" sz="quarter" idx="10"/>
-          </p:nvPr>
-        </p:nvSpPr>
-        <p:spPr>
-          <a:noFill/>
-          <a:ln/>
-          <a:extLst>
-            <a:ext uri="{909E8E84-426E-40dd-AFC4-6F175D3DCCD1}">
-              <a14:hiddenFill xmlns:a14="http://schemas.microsoft.com/office/drawing/2010/main">
-                <a:solidFill>
-                  <a:srgbClr val="FFFFFF"/>
-                </a:solidFill>
-              </a14:hiddenFill>
-            </a:ext>
-            <a:ext uri="{91240B29-F687-4f45-9708-019B960494DF}">
-              <a14:hiddenLine xmlns:a14="http://schemas.microsoft.com/office/drawing/2010/main" w="9525">
-                <a:solidFill>
-                  <a:srgbClr val="000000"/>
-                </a:solidFill>
-                <a:miter lim="800000"/>
-                <a:headEnd/>
-                <a:tailEnd/>
-              </a14:hiddenLine>
-            </a:ext>
-          </a:extLst>
-        </p:spPr>
-        <p:txBody>
-          <a:bodyPr/>
-          <a:lstStyle>
-            <a:lvl1pPr>
-              <a:defRPr sz="3000">
-                <a:solidFill>
-                  <a:schemeClr val="tx1"/>
-                </a:solidFill>
-                <a:latin typeface="Arial" charset="0"/>
-                <a:ea typeface="ＭＳ Ｐゴシック" charset="0"/>
-                <a:cs typeface="ＭＳ Ｐゴシック" charset="0"/>
-              </a:defRPr>
-            </a:lvl1pPr>
-            <a:lvl2pPr marL="742950" indent="-285750">
-              <a:defRPr sz="2600">
-                <a:solidFill>
-                  <a:schemeClr val="tx1"/>
-                </a:solidFill>
-                <a:latin typeface="Arial" charset="0"/>
-                <a:ea typeface="ＭＳ Ｐゴシック" charset="0"/>
-              </a:defRPr>
-            </a:lvl2pPr>
-            <a:lvl3pPr marL="1143000" indent="-228600">
-              <a:defRPr sz="2200">
-                <a:solidFill>
-                  <a:schemeClr val="tx1"/>
-                </a:solidFill>
-                <a:latin typeface="Arial" charset="0"/>
-                <a:ea typeface="ＭＳ Ｐゴシック" charset="0"/>
-              </a:defRPr>
-            </a:lvl3pPr>
-            <a:lvl4pPr marL="1600200" indent="-228600">
-              <a:defRPr sz="2000">
-                <a:solidFill>
-                  <a:schemeClr val="tx1"/>
-                </a:solidFill>
-                <a:latin typeface="Arial" charset="0"/>
-                <a:ea typeface="ＭＳ Ｐゴシック" charset="0"/>
-              </a:defRPr>
-            </a:lvl4pPr>
-            <a:lvl5pPr marL="2057400" indent="-228600">
-              <a:defRPr sz="2000">
-                <a:solidFill>
-                  <a:schemeClr val="tx1"/>
-                </a:solidFill>
-                <a:latin typeface="Arial" charset="0"/>
-                <a:ea typeface="ＭＳ Ｐゴシック" charset="0"/>
-              </a:defRPr>
-            </a:lvl5pPr>
-            <a:lvl6pPr marL="2514600" indent="-228600" eaLnBrk="0" hangingPunct="0">
-              <a:buFont typeface="Wingdings" charset="0"/>
-              <a:defRPr sz="2000">
-                <a:solidFill>
-                  <a:schemeClr val="tx1"/>
-                </a:solidFill>
-                <a:latin typeface="Arial" charset="0"/>
-                <a:ea typeface="ＭＳ Ｐゴシック" charset="0"/>
-              </a:defRPr>
-            </a:lvl6pPr>
-            <a:lvl7pPr marL="2971800" indent="-228600" eaLnBrk="0" hangingPunct="0">
-              <a:buFont typeface="Wingdings" charset="0"/>
-              <a:defRPr sz="2000">
-                <a:solidFill>
-                  <a:schemeClr val="tx1"/>
-                </a:solidFill>
-                <a:latin typeface="Arial" charset="0"/>
-                <a:ea typeface="ＭＳ Ｐゴシック" charset="0"/>
-              </a:defRPr>
-            </a:lvl7pPr>
-            <a:lvl8pPr marL="3429000" indent="-228600" eaLnBrk="0" hangingPunct="0">
-              <a:buFont typeface="Wingdings" charset="0"/>
-              <a:defRPr sz="2000">
-                <a:solidFill>
-                  <a:schemeClr val="tx1"/>
-                </a:solidFill>
-                <a:latin typeface="Arial" charset="0"/>
-                <a:ea typeface="ＭＳ Ｐゴシック" charset="0"/>
-              </a:defRPr>
-            </a:lvl8pPr>
-            <a:lvl9pPr marL="3886200" indent="-228600" eaLnBrk="0" hangingPunct="0">
-              <a:buFont typeface="Wingdings" charset="0"/>
-              <a:defRPr sz="2000">
-                <a:solidFill>
-                  <a:schemeClr val="tx1"/>
-                </a:solidFill>
-                <a:latin typeface="Arial" charset="0"/>
-                <a:ea typeface="ＭＳ Ｐゴシック" charset="0"/>
-              </a:defRPr>
-            </a:lvl9pPr>
-          </a:lstStyle>
-          <a:p>
-            <a:fld id="{6507C08D-EF7B-A54E-BC67-E1E17807FD4B}" type="datetime1">
-              <a:rPr lang="en-US" sz="1200">
-                <a:latin typeface="Garamond" charset="0"/>
-              </a:rPr>
-              <a:pPr/>
-              <a:t>10/21/15</a:t>
-            </a:fld>
-            <a:endParaRPr lang="en-US" sz="1200">
-              <a:latin typeface="Garamond" charset="0"/>
-            </a:endParaRPr>
-          </a:p>
-        </p:txBody>
-      </p:sp>
-      <p:sp>
-        <p:nvSpPr>
-          <p:cNvPr id="5" name="Footer Placeholder 4"/>
-          <p:cNvSpPr>
-            <a:spLocks noGrp="1"/>
-          </p:cNvSpPr>
-          <p:nvPr>
-            <p:ph type="ftr" sz="quarter" idx="11"/>
-          </p:nvPr>
-        </p:nvSpPr>
-        <p:spPr/>
-        <p:txBody>
-          <a:bodyPr/>
-          <a:lstStyle/>
-          <a:p>
-            <a:pPr>
-              <a:defRPr/>
-            </a:pPr>
-            <a:r>
-              <a:rPr lang="en-US" altLang="en-US"/>
-              <a:t>ECE Application Programming: Lecture 22</a:t>
-            </a:r>
-          </a:p>
-        </p:txBody>
-      </p:sp>
-      <p:sp>
-        <p:nvSpPr>
-          <p:cNvPr id="11270" name="Slide Number Placeholder 5"/>
-          <p:cNvSpPr>
-            <a:spLocks noGrp="1"/>
-          </p:cNvSpPr>
-          <p:nvPr>
-            <p:ph type="sldNum" sz="quarter" idx="12"/>
-          </p:nvPr>
-        </p:nvSpPr>
-        <p:spPr>
-          <a:noFill/>
-          <a:ln/>
-          <a:extLst>
-            <a:ext uri="{909E8E84-426E-40dd-AFC4-6F175D3DCCD1}">
-              <a14:hiddenFill xmlns:a14="http://schemas.microsoft.com/office/drawing/2010/main">
-                <a:solidFill>
-                  <a:srgbClr val="FFFFFF"/>
-                </a:solidFill>
-              </a14:hiddenFill>
-            </a:ext>
-            <a:ext uri="{91240B29-F687-4f45-9708-019B960494DF}">
-              <a14:hiddenLine xmlns:a14="http://schemas.microsoft.com/office/drawing/2010/main" w="9525">
-                <a:solidFill>
-                  <a:srgbClr val="000000"/>
-                </a:solidFill>
-                <a:miter lim="800000"/>
-                <a:headEnd/>
-                <a:tailEnd/>
-              </a14:hiddenLine>
-            </a:ext>
-          </a:extLst>
-        </p:spPr>
-        <p:txBody>
-          <a:bodyPr/>
-          <a:lstStyle>
-            <a:lvl1pPr>
-              <a:defRPr sz="3000">
-                <a:solidFill>
-                  <a:schemeClr val="tx1"/>
-                </a:solidFill>
-                <a:latin typeface="Arial" charset="0"/>
-                <a:ea typeface="ＭＳ Ｐゴシック" charset="0"/>
-                <a:cs typeface="ＭＳ Ｐゴシック" charset="0"/>
-              </a:defRPr>
-            </a:lvl1pPr>
-            <a:lvl2pPr marL="742950" indent="-285750">
-              <a:defRPr sz="2600">
-                <a:solidFill>
-                  <a:schemeClr val="tx1"/>
-                </a:solidFill>
-                <a:latin typeface="Arial" charset="0"/>
-                <a:ea typeface="ＭＳ Ｐゴシック" charset="0"/>
-              </a:defRPr>
-            </a:lvl2pPr>
-            <a:lvl3pPr marL="1143000" indent="-228600">
-              <a:defRPr sz="2200">
-                <a:solidFill>
-                  <a:schemeClr val="tx1"/>
-                </a:solidFill>
-                <a:latin typeface="Arial" charset="0"/>
-                <a:ea typeface="ＭＳ Ｐゴシック" charset="0"/>
-              </a:defRPr>
-            </a:lvl3pPr>
-            <a:lvl4pPr marL="1600200" indent="-228600">
-              <a:defRPr sz="2000">
-                <a:solidFill>
-                  <a:schemeClr val="tx1"/>
-                </a:solidFill>
-                <a:latin typeface="Arial" charset="0"/>
-                <a:ea typeface="ＭＳ Ｐゴシック" charset="0"/>
-              </a:defRPr>
-            </a:lvl4pPr>
-            <a:lvl5pPr marL="2057400" indent="-228600">
-              <a:defRPr sz="2000">
-                <a:solidFill>
-                  <a:schemeClr val="tx1"/>
-                </a:solidFill>
-                <a:latin typeface="Arial" charset="0"/>
-                <a:ea typeface="ＭＳ Ｐゴシック" charset="0"/>
-              </a:defRPr>
-            </a:lvl5pPr>
-            <a:lvl6pPr marL="2514600" indent="-228600" eaLnBrk="0" hangingPunct="0">
-              <a:buFont typeface="Wingdings" charset="0"/>
-              <a:defRPr sz="2000">
-                <a:solidFill>
-                  <a:schemeClr val="tx1"/>
-                </a:solidFill>
-                <a:latin typeface="Arial" charset="0"/>
-                <a:ea typeface="ＭＳ Ｐゴシック" charset="0"/>
-              </a:defRPr>
-            </a:lvl6pPr>
-            <a:lvl7pPr marL="2971800" indent="-228600" eaLnBrk="0" hangingPunct="0">
-              <a:buFont typeface="Wingdings" charset="0"/>
-              <a:defRPr sz="2000">
-                <a:solidFill>
-                  <a:schemeClr val="tx1"/>
-                </a:solidFill>
-                <a:latin typeface="Arial" charset="0"/>
-                <a:ea typeface="ＭＳ Ｐゴシック" charset="0"/>
-              </a:defRPr>
-            </a:lvl7pPr>
-            <a:lvl8pPr marL="3429000" indent="-228600" eaLnBrk="0" hangingPunct="0">
-              <a:buFont typeface="Wingdings" charset="0"/>
-              <a:defRPr sz="2000">
-                <a:solidFill>
-                  <a:schemeClr val="tx1"/>
-                </a:solidFill>
-                <a:latin typeface="Arial" charset="0"/>
-                <a:ea typeface="ＭＳ Ｐゴシック" charset="0"/>
-              </a:defRPr>
-            </a:lvl8pPr>
-            <a:lvl9pPr marL="3886200" indent="-228600" eaLnBrk="0" hangingPunct="0">
-              <a:buFont typeface="Wingdings" charset="0"/>
-              <a:defRPr sz="2000">
-                <a:solidFill>
-                  <a:schemeClr val="tx1"/>
-                </a:solidFill>
-                <a:latin typeface="Arial" charset="0"/>
-                <a:ea typeface="ＭＳ Ｐゴシック" charset="0"/>
-              </a:defRPr>
-            </a:lvl9pPr>
-          </a:lstStyle>
-          <a:p>
-            <a:fld id="{B0BF5DEA-6FE7-1E4A-BA73-E870AA92DE5C}" type="slidenum">
-              <a:rPr lang="en-US" sz="1200">
-                <a:latin typeface="Garamond" charset="0"/>
-              </a:rPr>
-              <a:pPr/>
-              <a:t>13</a:t>
-            </a:fld>
-            <a:endParaRPr lang="en-US" sz="1200">
-              <a:latin typeface="Garamond" charset="0"/>
-            </a:endParaRPr>
-          </a:p>
-        </p:txBody>
-      </p:sp>
-    </p:spTree>
-    <p:extLst>
-      <p:ext uri="{BB962C8B-B14F-4D97-AF65-F5344CB8AC3E}">
-        <p14:creationId xmlns:p14="http://schemas.microsoft.com/office/powerpoint/2010/main" val="1584654999"/>
-      </p:ext>
-    </p:extLst>
-  </p:cSld>
-  <p:clrMapOvr>
-    <a:masterClrMapping/>
-  </p:clrMapOvr>
-  <p:timing>
-    <p:tnLst>
-      <p:par>
-        <p:cTn xmlns:p14="http://schemas.microsoft.com/office/powerpoint/2010/main" id="1" dur="indefinite" restart="never" nodeType="tmRoot"/>
-      </p:par>
-    </p:tnLst>
-  </p:timing>
-</p:sld>
-</file>
-
-<file path=ppt/slides/slide14.xml><?xml version="1.0" encoding="utf-8"?>
-<p:sld xmlns:a="http://schemas.openxmlformats.org/drawingml/2006/main" xmlns:r="http://schemas.openxmlformats.org/officeDocument/2006/relationships" xmlns:p="http://schemas.openxmlformats.org/presentationml/2006/main">
-  <p:cSld>
-    <p:spTree>
-      <p:nvGrpSpPr>
-        <p:cNvPr id="1" name=""/>
-        <p:cNvGrpSpPr/>
-        <p:nvPr/>
-      </p:nvGrpSpPr>
-      <p:grpSpPr>
-        <a:xfrm>
-          <a:off x="0" y="0"/>
-          <a:ext cx="0" cy="0"/>
-          <a:chOff x="0" y="0"/>
-          <a:chExt cx="0" cy="0"/>
-        </a:xfrm>
-      </p:grpSpPr>
-      <p:sp>
-        <p:nvSpPr>
-          <p:cNvPr id="12290" name="Title 1"/>
-          <p:cNvSpPr>
-            <a:spLocks noGrp="1"/>
-          </p:cNvSpPr>
-          <p:nvPr>
-            <p:ph type="title"/>
-          </p:nvPr>
-        </p:nvSpPr>
-        <p:spPr/>
-        <p:txBody>
-          <a:bodyPr/>
-          <a:lstStyle/>
-          <a:p>
-            <a:r>
-              <a:rPr lang="en-US">
-                <a:latin typeface="Garamond" charset="0"/>
-              </a:rPr>
-              <a:t>Example solution (cont.)</a:t>
-            </a:r>
-          </a:p>
-        </p:txBody>
-      </p:sp>
-      <p:sp>
-        <p:nvSpPr>
-          <p:cNvPr id="12291" name="Content Placeholder 2"/>
-          <p:cNvSpPr>
-            <a:spLocks noGrp="1"/>
-          </p:cNvSpPr>
-          <p:nvPr>
-            <p:ph idx="1"/>
-          </p:nvPr>
-        </p:nvSpPr>
-        <p:spPr>
-          <a:xfrm>
-            <a:off x="457200" y="914400"/>
-            <a:ext cx="8229600" cy="5216525"/>
-          </a:xfrm>
-        </p:spPr>
-        <p:txBody>
-          <a:bodyPr/>
-          <a:lstStyle/>
-          <a:p>
-            <a:pPr>
-              <a:lnSpc>
-                <a:spcPct val="80000"/>
-              </a:lnSpc>
-              <a:buFont typeface="Wingdings" charset="0"/>
-              <a:buNone/>
-              <a:tabLst>
-                <a:tab pos="633413" algn="l"/>
-                <a:tab pos="914400" algn="l"/>
-                <a:tab pos="1371600" algn="l"/>
-              </a:tabLst>
-            </a:pPr>
-            <a:r>
-              <a:rPr lang="en-US" sz="1400">
-                <a:latin typeface="Courier New" charset="0"/>
-                <a:cs typeface="Courier New" charset="0"/>
-              </a:rPr>
-              <a:t>int fillString(char *s, int n) {</a:t>
-            </a:r>
-          </a:p>
-          <a:p>
-            <a:pPr>
-              <a:lnSpc>
-                <a:spcPct val="80000"/>
-              </a:lnSpc>
-              <a:buFont typeface="Wingdings" charset="0"/>
-              <a:buNone/>
-              <a:tabLst>
-                <a:tab pos="633413" algn="l"/>
-                <a:tab pos="914400" algn="l"/>
-                <a:tab pos="1371600" algn="l"/>
-              </a:tabLst>
-            </a:pPr>
-            <a:r>
-              <a:rPr lang="en-US" sz="1400">
-                <a:latin typeface="Courier New" charset="0"/>
-                <a:cs typeface="Courier New" charset="0"/>
-              </a:rPr>
-              <a:t>	char input[50];	// Assume max</a:t>
-            </a:r>
-          </a:p>
-          <a:p>
-            <a:pPr>
-              <a:lnSpc>
-                <a:spcPct val="80000"/>
-              </a:lnSpc>
-              <a:buFont typeface="Wingdings" charset="0"/>
-              <a:buNone/>
-              <a:tabLst>
-                <a:tab pos="633413" algn="l"/>
-                <a:tab pos="914400" algn="l"/>
-                <a:tab pos="1371600" algn="l"/>
-              </a:tabLst>
-            </a:pPr>
-            <a:r>
-              <a:rPr lang="en-US" sz="1400">
-                <a:latin typeface="Courier New" charset="0"/>
-                <a:cs typeface="Courier New" charset="0"/>
-              </a:rPr>
-              <a:t>						//   50 chars</a:t>
-            </a:r>
-          </a:p>
-          <a:p>
-            <a:pPr>
-              <a:lnSpc>
-                <a:spcPct val="80000"/>
-              </a:lnSpc>
-              <a:buFont typeface="Wingdings" charset="0"/>
-              <a:buNone/>
-              <a:tabLst>
-                <a:tab pos="633413" algn="l"/>
-                <a:tab pos="914400" algn="l"/>
-                <a:tab pos="1371600" algn="l"/>
-              </a:tabLst>
-            </a:pPr>
-            <a:r>
-              <a:rPr lang="en-US" sz="1400">
-                <a:latin typeface="Courier New" charset="0"/>
-                <a:cs typeface="Courier New" charset="0"/>
-              </a:rPr>
-              <a:t>	int charsLeft;	// Space remaining</a:t>
-            </a:r>
-          </a:p>
-          <a:p>
-            <a:pPr>
-              <a:lnSpc>
-                <a:spcPct val="80000"/>
-              </a:lnSpc>
-              <a:buFont typeface="Wingdings" charset="0"/>
-              <a:buNone/>
-              <a:tabLst>
-                <a:tab pos="633413" algn="l"/>
-                <a:tab pos="914400" algn="l"/>
-                <a:tab pos="1371600" algn="l"/>
-              </a:tabLst>
-            </a:pPr>
-            <a:r>
-              <a:rPr lang="en-US" sz="1400">
-                <a:latin typeface="Courier New" charset="0"/>
-                <a:cs typeface="Courier New" charset="0"/>
-              </a:rPr>
-              <a:t>						//   in s</a:t>
-            </a:r>
-          </a:p>
-          <a:p>
-            <a:pPr>
-              <a:lnSpc>
-                <a:spcPct val="80000"/>
-              </a:lnSpc>
-              <a:buFont typeface="Wingdings" charset="0"/>
-              <a:buNone/>
-              <a:tabLst>
-                <a:tab pos="633413" algn="l"/>
-                <a:tab pos="914400" algn="l"/>
-                <a:tab pos="1371600" algn="l"/>
-              </a:tabLst>
-            </a:pPr>
-            <a:endParaRPr lang="en-US" sz="1400">
-              <a:latin typeface="Courier New" charset="0"/>
-              <a:cs typeface="Courier New" charset="0"/>
-            </a:endParaRPr>
-          </a:p>
-          <a:p>
-            <a:pPr>
-              <a:lnSpc>
-                <a:spcPct val="80000"/>
-              </a:lnSpc>
-              <a:buFont typeface="Wingdings" charset="0"/>
-              <a:buNone/>
-              <a:tabLst>
-                <a:tab pos="633413" algn="l"/>
-                <a:tab pos="914400" algn="l"/>
-                <a:tab pos="1371600" algn="l"/>
-              </a:tabLst>
-            </a:pPr>
-            <a:r>
-              <a:rPr lang="en-US" sz="1400">
-                <a:latin typeface="Courier New" charset="0"/>
-                <a:cs typeface="Courier New" charset="0"/>
-              </a:rPr>
-              <a:t>	do {</a:t>
-            </a:r>
-          </a:p>
-          <a:p>
-            <a:pPr>
-              <a:lnSpc>
-                <a:spcPct val="80000"/>
-              </a:lnSpc>
-              <a:buFont typeface="Wingdings" charset="0"/>
-              <a:buNone/>
-              <a:tabLst>
-                <a:tab pos="633413" algn="l"/>
-                <a:tab pos="914400" algn="l"/>
-                <a:tab pos="1371600" algn="l"/>
-              </a:tabLst>
-            </a:pPr>
-            <a:r>
-              <a:rPr lang="en-US" sz="1400">
-                <a:latin typeface="Courier New" charset="0"/>
-                <a:cs typeface="Courier New" charset="0"/>
-              </a:rPr>
-              <a:t>		scanf(</a:t>
-            </a:r>
-            <a:r>
-              <a:rPr lang="ja-JP" altLang="en-US" sz="1400">
-                <a:latin typeface="Courier New" charset="0"/>
-                <a:cs typeface="Courier New" charset="0"/>
-              </a:rPr>
-              <a:t>“</a:t>
-            </a:r>
-            <a:r>
-              <a:rPr lang="en-US" altLang="ja-JP" sz="1400">
-                <a:latin typeface="Courier New" charset="0"/>
-                <a:cs typeface="Courier New" charset="0"/>
-              </a:rPr>
-              <a:t>%s</a:t>
-            </a:r>
-            <a:r>
-              <a:rPr lang="ja-JP" altLang="en-US" sz="1400">
-                <a:latin typeface="Courier New" charset="0"/>
-                <a:cs typeface="Courier New" charset="0"/>
-              </a:rPr>
-              <a:t>”</a:t>
-            </a:r>
-            <a:r>
-              <a:rPr lang="en-US" altLang="ja-JP" sz="1400">
-                <a:latin typeface="Courier New" charset="0"/>
-                <a:cs typeface="Courier New" charset="0"/>
-              </a:rPr>
-              <a:t>, input);</a:t>
-            </a:r>
-          </a:p>
-          <a:p>
-            <a:pPr>
-              <a:lnSpc>
-                <a:spcPct val="80000"/>
-              </a:lnSpc>
-              <a:buFont typeface="Wingdings" charset="0"/>
-              <a:buNone/>
-              <a:tabLst>
-                <a:tab pos="633413" algn="l"/>
-                <a:tab pos="914400" algn="l"/>
-                <a:tab pos="1371600" algn="l"/>
-              </a:tabLst>
-            </a:pPr>
-            <a:r>
-              <a:rPr lang="en-US" sz="1400">
-                <a:latin typeface="Courier New" charset="0"/>
-                <a:cs typeface="Courier New" charset="0"/>
-              </a:rPr>
-              <a:t>		</a:t>
-            </a:r>
-          </a:p>
-          <a:p>
-            <a:pPr>
-              <a:lnSpc>
-                <a:spcPct val="80000"/>
-              </a:lnSpc>
-              <a:buFont typeface="Wingdings" charset="0"/>
-              <a:buNone/>
-              <a:tabLst>
-                <a:tab pos="633413" algn="l"/>
-                <a:tab pos="914400" algn="l"/>
-                <a:tab pos="1371600" algn="l"/>
-              </a:tabLst>
-            </a:pPr>
-            <a:r>
-              <a:rPr lang="en-US" sz="1400">
-                <a:latin typeface="Courier New" charset="0"/>
-                <a:cs typeface="Courier New" charset="0"/>
-              </a:rPr>
-              <a:t>		// Calculate # chars left in array if input</a:t>
-            </a:r>
-          </a:p>
-          <a:p>
-            <a:pPr>
-              <a:lnSpc>
-                <a:spcPct val="80000"/>
-              </a:lnSpc>
-              <a:buFont typeface="Wingdings" charset="0"/>
-              <a:buNone/>
-              <a:tabLst>
-                <a:tab pos="633413" algn="l"/>
-                <a:tab pos="914400" algn="l"/>
-                <a:tab pos="1371600" algn="l"/>
-              </a:tabLst>
-            </a:pPr>
-            <a:r>
-              <a:rPr lang="en-US" sz="1400">
-                <a:latin typeface="Courier New" charset="0"/>
-                <a:cs typeface="Courier New" charset="0"/>
-              </a:rPr>
-              <a:t>		//   string is added. Need to leave room for </a:t>
-            </a:r>
-            <a:r>
-              <a:rPr lang="ja-JP" altLang="en-US" sz="1400">
-                <a:latin typeface="Courier New" charset="0"/>
-                <a:cs typeface="Courier New" charset="0"/>
-              </a:rPr>
-              <a:t>‘</a:t>
-            </a:r>
-            <a:r>
-              <a:rPr lang="en-US" altLang="ja-JP" sz="1400">
-                <a:latin typeface="Courier New" charset="0"/>
-                <a:cs typeface="Courier New" charset="0"/>
-              </a:rPr>
-              <a:t>\0</a:t>
-            </a:r>
-            <a:r>
-              <a:rPr lang="ja-JP" altLang="en-US" sz="1400">
-                <a:latin typeface="Courier New" charset="0"/>
-                <a:cs typeface="Courier New" charset="0"/>
-              </a:rPr>
-              <a:t>’</a:t>
-            </a:r>
-            <a:endParaRPr lang="en-US" altLang="ja-JP" sz="1400">
-              <a:latin typeface="Courier New" charset="0"/>
-              <a:cs typeface="Courier New" charset="0"/>
-            </a:endParaRPr>
-          </a:p>
-          <a:p>
-            <a:pPr>
-              <a:lnSpc>
-                <a:spcPct val="80000"/>
-              </a:lnSpc>
-              <a:buFont typeface="Wingdings" charset="0"/>
-              <a:buNone/>
-              <a:tabLst>
-                <a:tab pos="633413" algn="l"/>
-                <a:tab pos="914400" algn="l"/>
-                <a:tab pos="1371600" algn="l"/>
-              </a:tabLst>
-            </a:pPr>
-            <a:r>
-              <a:rPr lang="en-US" sz="1400">
-                <a:latin typeface="Courier New" charset="0"/>
-                <a:cs typeface="Courier New" charset="0"/>
-              </a:rPr>
-              <a:t>		charsLeft = n – (strlen(s) + 1) – strlen(input);</a:t>
-            </a:r>
-          </a:p>
-          <a:p>
-            <a:pPr>
-              <a:lnSpc>
-                <a:spcPct val="80000"/>
-              </a:lnSpc>
-              <a:buFont typeface="Wingdings" charset="0"/>
-              <a:buNone/>
-              <a:tabLst>
-                <a:tab pos="633413" algn="l"/>
-                <a:tab pos="914400" algn="l"/>
-                <a:tab pos="1371600" algn="l"/>
-              </a:tabLst>
-            </a:pPr>
-            <a:endParaRPr lang="en-US" sz="1400">
-              <a:latin typeface="Courier New" charset="0"/>
-              <a:cs typeface="Courier New" charset="0"/>
-            </a:endParaRPr>
-          </a:p>
-          <a:p>
-            <a:pPr>
-              <a:lnSpc>
-                <a:spcPct val="80000"/>
-              </a:lnSpc>
-              <a:buFont typeface="Wingdings" charset="0"/>
-              <a:buNone/>
-              <a:tabLst>
-                <a:tab pos="633413" algn="l"/>
-                <a:tab pos="914400" algn="l"/>
-                <a:tab pos="1371600" algn="l"/>
-              </a:tabLst>
-            </a:pPr>
-            <a:r>
-              <a:rPr lang="en-US" sz="1400">
-                <a:latin typeface="Courier New" charset="0"/>
-                <a:cs typeface="Courier New" charset="0"/>
-              </a:rPr>
-              <a:t>		if (charsLeft &gt; 0)		// Enough space to add this string</a:t>
-            </a:r>
-          </a:p>
-          <a:p>
-            <a:pPr>
-              <a:lnSpc>
-                <a:spcPct val="80000"/>
-              </a:lnSpc>
-              <a:buFont typeface="Wingdings" charset="0"/>
-              <a:buNone/>
-              <a:tabLst>
-                <a:tab pos="633413" algn="l"/>
-                <a:tab pos="914400" algn="l"/>
-                <a:tab pos="1371600" algn="l"/>
-              </a:tabLst>
-            </a:pPr>
-            <a:r>
-              <a:rPr lang="en-US" sz="1400">
-                <a:latin typeface="Courier New" charset="0"/>
-                <a:cs typeface="Courier New" charset="0"/>
-              </a:rPr>
-              <a:t>			strcat(s, input);		//   and continue</a:t>
-            </a:r>
-          </a:p>
-          <a:p>
-            <a:pPr>
-              <a:lnSpc>
-                <a:spcPct val="80000"/>
-              </a:lnSpc>
-              <a:buFont typeface="Wingdings" charset="0"/>
-              <a:buNone/>
-              <a:tabLst>
-                <a:tab pos="633413" algn="l"/>
-                <a:tab pos="914400" algn="l"/>
-                <a:tab pos="1371600" algn="l"/>
-              </a:tabLst>
-            </a:pPr>
-            <a:endParaRPr lang="en-US" sz="1400">
-              <a:latin typeface="Courier New" charset="0"/>
-              <a:cs typeface="Courier New" charset="0"/>
-            </a:endParaRPr>
-          </a:p>
-          <a:p>
-            <a:pPr>
-              <a:lnSpc>
-                <a:spcPct val="80000"/>
-              </a:lnSpc>
-              <a:buFont typeface="Wingdings" charset="0"/>
-              <a:buNone/>
-              <a:tabLst>
-                <a:tab pos="633413" algn="l"/>
-                <a:tab pos="914400" algn="l"/>
-                <a:tab pos="1371600" algn="l"/>
-              </a:tabLst>
-            </a:pPr>
-            <a:r>
-              <a:rPr lang="en-US" sz="1400">
-                <a:latin typeface="Courier New" charset="0"/>
-                <a:cs typeface="Courier New" charset="0"/>
-              </a:rPr>
-              <a:t>		else {				// Out of room</a:t>
-            </a:r>
-          </a:p>
-          <a:p>
-            <a:pPr>
-              <a:lnSpc>
-                <a:spcPct val="80000"/>
-              </a:lnSpc>
-              <a:buFont typeface="Wingdings" charset="0"/>
-              <a:buNone/>
-              <a:tabLst>
-                <a:tab pos="633413" algn="l"/>
-                <a:tab pos="914400" algn="l"/>
-                <a:tab pos="1371600" algn="l"/>
-              </a:tabLst>
-            </a:pPr>
-            <a:r>
-              <a:rPr lang="en-US" sz="1400">
-                <a:latin typeface="Courier New" charset="0"/>
-                <a:cs typeface="Courier New" charset="0"/>
-              </a:rPr>
-              <a:t>			if (charsLeft == 0)	// Can add input, but then out of room</a:t>
-            </a:r>
-          </a:p>
-          <a:p>
-            <a:pPr>
-              <a:lnSpc>
-                <a:spcPct val="80000"/>
-              </a:lnSpc>
-              <a:buFont typeface="Wingdings" charset="0"/>
-              <a:buNone/>
-              <a:tabLst>
-                <a:tab pos="633413" algn="l"/>
-                <a:tab pos="914400" algn="l"/>
-                <a:tab pos="1371600" algn="l"/>
-              </a:tabLst>
-            </a:pPr>
-            <a:r>
-              <a:rPr lang="en-US" sz="1400">
-                <a:latin typeface="Courier New" charset="0"/>
-                <a:cs typeface="Courier New" charset="0"/>
-              </a:rPr>
-              <a:t>				strcat(s, input);	</a:t>
-            </a:r>
-          </a:p>
-          <a:p>
-            <a:pPr>
-              <a:lnSpc>
-                <a:spcPct val="80000"/>
-              </a:lnSpc>
-              <a:buFont typeface="Wingdings" charset="0"/>
-              <a:buNone/>
-              <a:tabLst>
-                <a:tab pos="633413" algn="l"/>
-                <a:tab pos="914400" algn="l"/>
-                <a:tab pos="1371600" algn="l"/>
-              </a:tabLst>
-            </a:pPr>
-            <a:r>
-              <a:rPr lang="en-US" sz="1400">
-                <a:latin typeface="Courier New" charset="0"/>
-                <a:cs typeface="Courier New" charset="0"/>
-              </a:rPr>
-              <a:t>			return strlen(s);</a:t>
-            </a:r>
-          </a:p>
-          <a:p>
-            <a:pPr>
-              <a:lnSpc>
-                <a:spcPct val="80000"/>
-              </a:lnSpc>
-              <a:buFont typeface="Wingdings" charset="0"/>
-              <a:buNone/>
-              <a:tabLst>
-                <a:tab pos="633413" algn="l"/>
-                <a:tab pos="914400" algn="l"/>
-                <a:tab pos="1371600" algn="l"/>
-              </a:tabLst>
-            </a:pPr>
-            <a:r>
-              <a:rPr lang="en-US" sz="1400">
-                <a:latin typeface="Courier New" charset="0"/>
-                <a:cs typeface="Courier New" charset="0"/>
-              </a:rPr>
-              <a:t>		}</a:t>
-            </a:r>
-          </a:p>
-          <a:p>
-            <a:pPr>
-              <a:lnSpc>
-                <a:spcPct val="80000"/>
-              </a:lnSpc>
-              <a:buFont typeface="Wingdings" charset="0"/>
-              <a:buNone/>
-              <a:tabLst>
-                <a:tab pos="633413" algn="l"/>
-                <a:tab pos="914400" algn="l"/>
-                <a:tab pos="1371600" algn="l"/>
-              </a:tabLst>
-            </a:pPr>
-            <a:r>
-              <a:rPr lang="en-US" sz="1400">
-                <a:latin typeface="Courier New" charset="0"/>
-                <a:cs typeface="Courier New" charset="0"/>
-              </a:rPr>
-              <a:t>	} while (1);</a:t>
-            </a:r>
-          </a:p>
-          <a:p>
-            <a:pPr>
-              <a:lnSpc>
-                <a:spcPct val="80000"/>
-              </a:lnSpc>
-              <a:buFont typeface="Wingdings" charset="0"/>
-              <a:buNone/>
-              <a:tabLst>
-                <a:tab pos="633413" algn="l"/>
-                <a:tab pos="914400" algn="l"/>
-                <a:tab pos="1371600" algn="l"/>
-              </a:tabLst>
-            </a:pPr>
-            <a:r>
-              <a:rPr lang="en-US" sz="1400">
-                <a:latin typeface="Courier New" charset="0"/>
-                <a:cs typeface="Courier New" charset="0"/>
-              </a:rPr>
-              <a:t>}</a:t>
-            </a:r>
-          </a:p>
-          <a:p>
-            <a:pPr>
-              <a:lnSpc>
-                <a:spcPct val="80000"/>
-              </a:lnSpc>
-              <a:tabLst>
-                <a:tab pos="633413" algn="l"/>
-                <a:tab pos="914400" algn="l"/>
-                <a:tab pos="1371600" algn="l"/>
-              </a:tabLst>
-            </a:pPr>
-            <a:endParaRPr lang="en-US" sz="1400">
-              <a:latin typeface="Arial" charset="0"/>
-            </a:endParaRPr>
-          </a:p>
-        </p:txBody>
-      </p:sp>
-      <p:sp>
-        <p:nvSpPr>
-          <p:cNvPr id="12292" name="Date Placeholder 3"/>
-          <p:cNvSpPr>
-            <a:spLocks noGrp="1"/>
-          </p:cNvSpPr>
-          <p:nvPr>
-            <p:ph type="dt" sz="quarter" idx="10"/>
-          </p:nvPr>
-        </p:nvSpPr>
-        <p:spPr>
-          <a:noFill/>
-          <a:ln/>
-          <a:extLst>
-            <a:ext uri="{909E8E84-426E-40dd-AFC4-6F175D3DCCD1}">
-              <a14:hiddenFill xmlns:a14="http://schemas.microsoft.com/office/drawing/2010/main">
-                <a:solidFill>
-                  <a:srgbClr val="FFFFFF"/>
-                </a:solidFill>
-              </a14:hiddenFill>
-            </a:ext>
-            <a:ext uri="{91240B29-F687-4f45-9708-019B960494DF}">
-              <a14:hiddenLine xmlns:a14="http://schemas.microsoft.com/office/drawing/2010/main" w="9525">
-                <a:solidFill>
-                  <a:srgbClr val="000000"/>
-                </a:solidFill>
-                <a:miter lim="800000"/>
-                <a:headEnd/>
-                <a:tailEnd/>
-              </a14:hiddenLine>
-            </a:ext>
-          </a:extLst>
-        </p:spPr>
-        <p:txBody>
-          <a:bodyPr/>
-          <a:lstStyle>
-            <a:lvl1pPr>
-              <a:defRPr sz="3000">
-                <a:solidFill>
-                  <a:schemeClr val="tx1"/>
-                </a:solidFill>
-                <a:latin typeface="Arial" charset="0"/>
-                <a:ea typeface="ＭＳ Ｐゴシック" charset="0"/>
-                <a:cs typeface="ＭＳ Ｐゴシック" charset="0"/>
-              </a:defRPr>
-            </a:lvl1pPr>
-            <a:lvl2pPr marL="742950" indent="-285750">
-              <a:defRPr sz="2600">
-                <a:solidFill>
-                  <a:schemeClr val="tx1"/>
-                </a:solidFill>
-                <a:latin typeface="Arial" charset="0"/>
-                <a:ea typeface="ＭＳ Ｐゴシック" charset="0"/>
-              </a:defRPr>
-            </a:lvl2pPr>
-            <a:lvl3pPr marL="1143000" indent="-228600">
-              <a:defRPr sz="2200">
-                <a:solidFill>
-                  <a:schemeClr val="tx1"/>
-                </a:solidFill>
-                <a:latin typeface="Arial" charset="0"/>
-                <a:ea typeface="ＭＳ Ｐゴシック" charset="0"/>
-              </a:defRPr>
-            </a:lvl3pPr>
-            <a:lvl4pPr marL="1600200" indent="-228600">
-              <a:defRPr sz="2000">
-                <a:solidFill>
-                  <a:schemeClr val="tx1"/>
-                </a:solidFill>
-                <a:latin typeface="Arial" charset="0"/>
-                <a:ea typeface="ＭＳ Ｐゴシック" charset="0"/>
-              </a:defRPr>
-            </a:lvl4pPr>
-            <a:lvl5pPr marL="2057400" indent="-228600">
-              <a:defRPr sz="2000">
-                <a:solidFill>
-                  <a:schemeClr val="tx1"/>
-                </a:solidFill>
-                <a:latin typeface="Arial" charset="0"/>
-                <a:ea typeface="ＭＳ Ｐゴシック" charset="0"/>
-              </a:defRPr>
-            </a:lvl5pPr>
-            <a:lvl6pPr marL="2514600" indent="-228600" eaLnBrk="0" hangingPunct="0">
-              <a:buFont typeface="Wingdings" charset="0"/>
-              <a:defRPr sz="2000">
-                <a:solidFill>
-                  <a:schemeClr val="tx1"/>
-                </a:solidFill>
-                <a:latin typeface="Arial" charset="0"/>
-                <a:ea typeface="ＭＳ Ｐゴシック" charset="0"/>
-              </a:defRPr>
-            </a:lvl6pPr>
-            <a:lvl7pPr marL="2971800" indent="-228600" eaLnBrk="0" hangingPunct="0">
-              <a:buFont typeface="Wingdings" charset="0"/>
-              <a:defRPr sz="2000">
-                <a:solidFill>
-                  <a:schemeClr val="tx1"/>
-                </a:solidFill>
-                <a:latin typeface="Arial" charset="0"/>
-                <a:ea typeface="ＭＳ Ｐゴシック" charset="0"/>
-              </a:defRPr>
-            </a:lvl7pPr>
-            <a:lvl8pPr marL="3429000" indent="-228600" eaLnBrk="0" hangingPunct="0">
-              <a:buFont typeface="Wingdings" charset="0"/>
-              <a:defRPr sz="2000">
-                <a:solidFill>
-                  <a:schemeClr val="tx1"/>
-                </a:solidFill>
-                <a:latin typeface="Arial" charset="0"/>
-                <a:ea typeface="ＭＳ Ｐゴシック" charset="0"/>
-              </a:defRPr>
-            </a:lvl8pPr>
-            <a:lvl9pPr marL="3886200" indent="-228600" eaLnBrk="0" hangingPunct="0">
-              <a:buFont typeface="Wingdings" charset="0"/>
-              <a:defRPr sz="2000">
-                <a:solidFill>
-                  <a:schemeClr val="tx1"/>
-                </a:solidFill>
-                <a:latin typeface="Arial" charset="0"/>
-                <a:ea typeface="ＭＳ Ｐゴシック" charset="0"/>
-              </a:defRPr>
-            </a:lvl9pPr>
-          </a:lstStyle>
-          <a:p>
-            <a:fld id="{46875108-0063-6E4F-B0B3-A21C6EFBFE0A}" type="datetime1">
-              <a:rPr lang="en-US" sz="1200">
-                <a:latin typeface="Garamond" charset="0"/>
-              </a:rPr>
-              <a:pPr/>
-              <a:t>10/21/15</a:t>
-            </a:fld>
-            <a:endParaRPr lang="en-US" sz="1200">
-              <a:latin typeface="Garamond" charset="0"/>
-            </a:endParaRPr>
-          </a:p>
-        </p:txBody>
-      </p:sp>
-      <p:sp>
-        <p:nvSpPr>
-          <p:cNvPr id="5" name="Footer Placeholder 4"/>
-          <p:cNvSpPr>
-            <a:spLocks noGrp="1"/>
-          </p:cNvSpPr>
-          <p:nvPr>
-            <p:ph type="ftr" sz="quarter" idx="11"/>
-          </p:nvPr>
-        </p:nvSpPr>
-        <p:spPr/>
-        <p:txBody>
-          <a:bodyPr/>
-          <a:lstStyle/>
-          <a:p>
-            <a:pPr>
-              <a:defRPr/>
-            </a:pPr>
-            <a:r>
-              <a:rPr lang="en-US" altLang="en-US"/>
-              <a:t>ECE Application Programming: Lecture 22</a:t>
-            </a:r>
-          </a:p>
-        </p:txBody>
-      </p:sp>
-      <p:sp>
-        <p:nvSpPr>
-          <p:cNvPr id="12294" name="Slide Number Placeholder 5"/>
-          <p:cNvSpPr>
-            <a:spLocks noGrp="1"/>
-          </p:cNvSpPr>
-          <p:nvPr>
-            <p:ph type="sldNum" sz="quarter" idx="12"/>
-          </p:nvPr>
-        </p:nvSpPr>
-        <p:spPr>
-          <a:noFill/>
-          <a:ln/>
-          <a:extLst>
-            <a:ext uri="{909E8E84-426E-40dd-AFC4-6F175D3DCCD1}">
-              <a14:hiddenFill xmlns:a14="http://schemas.microsoft.com/office/drawing/2010/main">
-                <a:solidFill>
-                  <a:srgbClr val="FFFFFF"/>
-                </a:solidFill>
-              </a14:hiddenFill>
-            </a:ext>
-            <a:ext uri="{91240B29-F687-4f45-9708-019B960494DF}">
-              <a14:hiddenLine xmlns:a14="http://schemas.microsoft.com/office/drawing/2010/main" w="9525">
-                <a:solidFill>
-                  <a:srgbClr val="000000"/>
-                </a:solidFill>
-                <a:miter lim="800000"/>
-                <a:headEnd/>
-                <a:tailEnd/>
-              </a14:hiddenLine>
-            </a:ext>
-          </a:extLst>
-        </p:spPr>
-        <p:txBody>
-          <a:bodyPr/>
-          <a:lstStyle>
-            <a:lvl1pPr>
-              <a:defRPr sz="3000">
-                <a:solidFill>
-                  <a:schemeClr val="tx1"/>
-                </a:solidFill>
-                <a:latin typeface="Arial" charset="0"/>
-                <a:ea typeface="ＭＳ Ｐゴシック" charset="0"/>
-                <a:cs typeface="ＭＳ Ｐゴシック" charset="0"/>
-              </a:defRPr>
-            </a:lvl1pPr>
-            <a:lvl2pPr marL="742950" indent="-285750">
-              <a:defRPr sz="2600">
-                <a:solidFill>
-                  <a:schemeClr val="tx1"/>
-                </a:solidFill>
-                <a:latin typeface="Arial" charset="0"/>
-                <a:ea typeface="ＭＳ Ｐゴシック" charset="0"/>
-              </a:defRPr>
-            </a:lvl2pPr>
-            <a:lvl3pPr marL="1143000" indent="-228600">
-              <a:defRPr sz="2200">
-                <a:solidFill>
-                  <a:schemeClr val="tx1"/>
-                </a:solidFill>
-                <a:latin typeface="Arial" charset="0"/>
-                <a:ea typeface="ＭＳ Ｐゴシック" charset="0"/>
-              </a:defRPr>
-            </a:lvl3pPr>
-            <a:lvl4pPr marL="1600200" indent="-228600">
-              <a:defRPr sz="2000">
-                <a:solidFill>
-                  <a:schemeClr val="tx1"/>
-                </a:solidFill>
-                <a:latin typeface="Arial" charset="0"/>
-                <a:ea typeface="ＭＳ Ｐゴシック" charset="0"/>
-              </a:defRPr>
-            </a:lvl4pPr>
-            <a:lvl5pPr marL="2057400" indent="-228600">
-              <a:defRPr sz="2000">
-                <a:solidFill>
-                  <a:schemeClr val="tx1"/>
-                </a:solidFill>
-                <a:latin typeface="Arial" charset="0"/>
-                <a:ea typeface="ＭＳ Ｐゴシック" charset="0"/>
-              </a:defRPr>
-            </a:lvl5pPr>
-            <a:lvl6pPr marL="2514600" indent="-228600" eaLnBrk="0" hangingPunct="0">
-              <a:buFont typeface="Wingdings" charset="0"/>
-              <a:defRPr sz="2000">
-                <a:solidFill>
-                  <a:schemeClr val="tx1"/>
-                </a:solidFill>
-                <a:latin typeface="Arial" charset="0"/>
-                <a:ea typeface="ＭＳ Ｐゴシック" charset="0"/>
-              </a:defRPr>
-            </a:lvl6pPr>
-            <a:lvl7pPr marL="2971800" indent="-228600" eaLnBrk="0" hangingPunct="0">
-              <a:buFont typeface="Wingdings" charset="0"/>
-              <a:defRPr sz="2000">
-                <a:solidFill>
-                  <a:schemeClr val="tx1"/>
-                </a:solidFill>
-                <a:latin typeface="Arial" charset="0"/>
-                <a:ea typeface="ＭＳ Ｐゴシック" charset="0"/>
-              </a:defRPr>
-            </a:lvl7pPr>
-            <a:lvl8pPr marL="3429000" indent="-228600" eaLnBrk="0" hangingPunct="0">
-              <a:buFont typeface="Wingdings" charset="0"/>
-              <a:defRPr sz="2000">
-                <a:solidFill>
-                  <a:schemeClr val="tx1"/>
-                </a:solidFill>
-                <a:latin typeface="Arial" charset="0"/>
-                <a:ea typeface="ＭＳ Ｐゴシック" charset="0"/>
-              </a:defRPr>
-            </a:lvl8pPr>
-            <a:lvl9pPr marL="3886200" indent="-228600" eaLnBrk="0" hangingPunct="0">
-              <a:buFont typeface="Wingdings" charset="0"/>
-              <a:defRPr sz="2000">
-                <a:solidFill>
-                  <a:schemeClr val="tx1"/>
-                </a:solidFill>
-                <a:latin typeface="Arial" charset="0"/>
-                <a:ea typeface="ＭＳ Ｐゴシック" charset="0"/>
-              </a:defRPr>
-            </a:lvl9pPr>
-          </a:lstStyle>
-          <a:p>
-            <a:fld id="{24CFF907-1A29-D848-841E-A7E8BA10B70B}" type="slidenum">
-              <a:rPr lang="en-US" sz="1200">
-                <a:latin typeface="Garamond" charset="0"/>
-              </a:rPr>
-              <a:pPr/>
-              <a:t>14</a:t>
-            </a:fld>
-            <a:endParaRPr lang="en-US" sz="1200">
-              <a:latin typeface="Garamond" charset="0"/>
-            </a:endParaRPr>
-          </a:p>
-        </p:txBody>
-      </p:sp>
-    </p:spTree>
-    <p:extLst>
-      <p:ext uri="{BB962C8B-B14F-4D97-AF65-F5344CB8AC3E}">
-        <p14:creationId xmlns:p14="http://schemas.microsoft.com/office/powerpoint/2010/main" val="1608737652"/>
-      </p:ext>
-    </p:extLst>
-  </p:cSld>
-  <p:clrMapOvr>
-    <a:masterClrMapping/>
-  </p:clrMapOvr>
-  <p:timing>
-    <p:tnLst>
-      <p:par>
-        <p:cTn xmlns:p14="http://schemas.microsoft.com/office/powerpoint/2010/main" id="1" dur="indefinite" restart="never" nodeType="tmRoot"/>
-      </p:par>
-    </p:tnLst>
-  </p:timing>
-</p:sld>
-</file>
-
-<file path=ppt/slides/slide15.xml><?xml version="1.0" encoding="utf-8"?>
-<p:sld xmlns:a="http://schemas.openxmlformats.org/drawingml/2006/main" xmlns:r="http://schemas.openxmlformats.org/officeDocument/2006/relationships" xmlns:p="http://schemas.openxmlformats.org/presentationml/2006/main">
-  <p:cSld>
-    <p:spTree>
-      <p:nvGrpSpPr>
-        <p:cNvPr id="1" name=""/>
-        <p:cNvGrpSpPr/>
-        <p:nvPr/>
-      </p:nvGrpSpPr>
-      <p:grpSpPr>
-        <a:xfrm>
-          <a:off x="0" y="0"/>
-          <a:ext cx="0" cy="0"/>
-          <a:chOff x="0" y="0"/>
-          <a:chExt cx="0" cy="0"/>
-        </a:xfrm>
-      </p:grpSpPr>
-      <p:sp>
-        <p:nvSpPr>
           <p:cNvPr id="40961" name="Title 1"/>
           <p:cNvSpPr>
             <a:spLocks noGrp="1"/>
@@ -9129,7 +6392,22 @@
               <a:rPr lang="en-US" dirty="0">
                 <a:latin typeface="Arial" charset="0"/>
               </a:rPr>
-              <a:t>Will be allowed one double-sided 8.5” x 11” note sheet</a:t>
+              <a:t>Will be allowed one double-sided 8.5” x 11” note </a:t>
+            </a:r>
+            <a:r>
+              <a:rPr lang="en-US" dirty="0" smtClean="0">
+                <a:latin typeface="Arial" charset="0"/>
+              </a:rPr>
+              <a:t>sheet</a:t>
+            </a:r>
+          </a:p>
+          <a:p>
+            <a:pPr lvl="1"/>
+            <a:r>
+              <a:rPr lang="en-US">
+                <a:latin typeface="Arial" charset="0"/>
+              </a:rPr>
+              <a:t>Advising starts Monday, 10/26</a:t>
             </a:r>
             <a:endParaRPr lang="en-US" dirty="0">
               <a:latin typeface="Arial" charset="0"/>
@@ -9282,12 +6560,11 @@
           </a:lstStyle>
           <a:p>
             <a:pPr eaLnBrk="1" hangingPunct="1"/>
-            <a:fld id="{31B62038-522A-8345-884F-1A523FFA338C}" type="datetime1">
-              <a:rPr lang="en-US" sz="1200">
+            <a:fld id="{C9D4ACDA-E242-4769-A4FB-51BC2A1431DD}" type="datetime1">
+              <a:rPr lang="en-US" sz="1200" smtClean="0">
                 <a:latin typeface="Garamond" charset="0"/>
               </a:rPr>
-              <a:pPr eaLnBrk="1" hangingPunct="1"/>
-              <a:t>10/21/15</a:t>
+              <a:t>10/26/15</a:t>
             </a:fld>
             <a:endParaRPr lang="en-US" sz="1200">
               <a:latin typeface="Garamond" charset="0"/>
@@ -9470,7 +6747,7 @@
                 <a:latin typeface="Garamond" charset="0"/>
               </a:rPr>
               <a:pPr eaLnBrk="1" hangingPunct="1"/>
-              <a:t>15</a:t>
+              <a:t>11</a:t>
             </a:fld>
             <a:endParaRPr lang="en-US" sz="1200">
               <a:latin typeface="Garamond" charset="0"/>
@@ -9562,13 +6839,25 @@
               <a:rPr lang="en-US" dirty="0" smtClean="0">
                 <a:latin typeface="Arial" charset="0"/>
               </a:rPr>
-              <a:t>Program 6 due 10/</a:t>
-            </a:r>
+              <a:t>Program 6 due 10/29</a:t>
+            </a:r>
+          </a:p>
+          <a:p>
+            <a:pPr lvl="1"/>
             <a:r>
               <a:rPr lang="en-US" dirty="0" smtClean="0">
                 <a:latin typeface="Arial" charset="0"/>
               </a:rPr>
-              <a:t>29</a:t>
+              <a:t>Exam 2: Wednesday, November 4</a:t>
+            </a:r>
+          </a:p>
+          <a:p>
+            <a:pPr lvl="2"/>
+            <a:r>
+              <a:rPr lang="en-US" dirty="0" smtClean="0">
+                <a:latin typeface="Arial" charset="0"/>
+              </a:rPr>
+              <a:t>Will be allowed one double-sided 8.5” x 11” note sheet</a:t>
             </a:r>
           </a:p>
           <a:p>
@@ -9577,16 +6866,7 @@
               <a:rPr lang="en-US" dirty="0" smtClean="0">
                 <a:latin typeface="Arial" charset="0"/>
               </a:rPr>
-              <a:t>Exam 2: Wednesday, November 4</a:t>
-            </a:r>
-          </a:p>
-          <a:p>
-            <a:pPr lvl="2"/>
-            <a:r>
-              <a:rPr lang="en-US" dirty="0" smtClean="0">
-                <a:latin typeface="Arial" charset="0"/>
-              </a:rPr>
-              <a:t>Will be allowed one double-sided 8.5” x 11” note sheet</a:t>
+              <a:t>Advising starts Monday, 10/26</a:t>
             </a:r>
             <a:endParaRPr lang="en-US" dirty="0">
               <a:latin typeface="Arial" charset="0"/>
@@ -9779,12 +7059,11 @@
           </a:lstStyle>
           <a:p>
             <a:pPr eaLnBrk="1" hangingPunct="1"/>
-            <a:fld id="{1F61605E-C4D2-6242-9703-8CD5AA316AC3}" type="datetime1">
-              <a:rPr lang="en-US" sz="1200">
+            <a:fld id="{B88541F8-4245-4AFC-834F-60D728C3EADA}" type="datetime1">
+              <a:rPr lang="en-US" sz="1200" smtClean="0">
                 <a:latin typeface="Garamond" charset="0"/>
               </a:rPr>
-              <a:pPr eaLnBrk="1" hangingPunct="1"/>
-              <a:t>10/21/15</a:t>
+              <a:t>10/26/15</a:t>
             </a:fld>
             <a:endParaRPr lang="en-US" sz="1200">
               <a:latin typeface="Garamond" charset="0"/>
@@ -10428,12 +7707,11 @@
           </a:lstStyle>
           <a:p>
             <a:pPr eaLnBrk="1" hangingPunct="1"/>
-            <a:fld id="{10538118-4487-FB42-BA85-773AF7CAEE14}" type="datetime1">
-              <a:rPr lang="en-US" sz="1200">
+            <a:fld id="{CE5056C2-EEC4-4EF0-A5E1-C39B21A8B30A}" type="datetime1">
+              <a:rPr lang="en-US" sz="1200" smtClean="0">
                 <a:latin typeface="Garamond" charset="0"/>
               </a:rPr>
-              <a:pPr eaLnBrk="1" hangingPunct="1"/>
-              <a:t>10/21/15</a:t>
+              <a:t>10/26/15</a:t>
             </a:fld>
             <a:endParaRPr lang="en-US" sz="1200">
               <a:latin typeface="Garamond" charset="0"/>
@@ -10460,9 +7738,10 @@
               <a:defRPr/>
             </a:pPr>
             <a:r>
-              <a:rPr lang="en-US" altLang="en-US"/>
-              <a:t>ECE Application Programming: Exam 2 Preview</a:t>
-            </a:r>
+              <a:rPr lang="en-US" altLang="en-US" smtClean="0"/>
+              <a:t>ECE Application Programming: Lecture 21</a:t>
+            </a:r>
+            <a:endParaRPr lang="en-US" altLang="en-US"/>
           </a:p>
         </p:txBody>
       </p:sp>
@@ -12915,13 +10194,12 @@
           </a:lstStyle>
           <a:p>
             <a:pPr eaLnBrk="1" hangingPunct="1"/>
-            <a:fld id="{FD226AB5-737C-1E44-BEDD-FEB69AC6BF19}" type="datetime1">
-              <a:rPr lang="en-US" sz="1200">
+            <a:fld id="{460DF7FB-F27B-4FEA-BB8E-69ED7223FB33}" type="datetime1">
+              <a:rPr lang="en-US" sz="1200" smtClean="0">
                 <a:latin typeface="Garamond" charset="0"/>
                 <a:cs typeface="Arial" charset="0"/>
               </a:rPr>
-              <a:pPr eaLnBrk="1" hangingPunct="1"/>
-              <a:t>10/21/15</a:t>
+              <a:t>10/26/15</a:t>
             </a:fld>
             <a:endParaRPr lang="en-US" sz="1200">
               <a:latin typeface="Garamond" charset="0"/>
@@ -12949,9 +10227,10 @@
               <a:defRPr/>
             </a:pPr>
             <a:r>
-              <a:rPr lang="en-US" altLang="en-US"/>
-              <a:t>ECE Application Programming: Lecture 22</a:t>
-            </a:r>
+              <a:rPr lang="en-US" altLang="en-US" smtClean="0"/>
+              <a:t>ECE Application Programming: Lecture 21</a:t>
+            </a:r>
+            <a:endParaRPr lang="en-US" altLang="en-US"/>
           </a:p>
         </p:txBody>
       </p:sp>
@@ -13466,13 +10745,12 @@
           </a:lstStyle>
           <a:p>
             <a:pPr eaLnBrk="1" hangingPunct="1"/>
-            <a:fld id="{63C08448-D92E-3C41-B882-661D78ABAE17}" type="datetime1">
-              <a:rPr lang="en-US" sz="1200">
+            <a:fld id="{7D9C96D9-748D-47CD-9F29-E59D3CBD4D3F}" type="datetime1">
+              <a:rPr lang="en-US" sz="1200" smtClean="0">
                 <a:latin typeface="Garamond" charset="0"/>
                 <a:cs typeface="Arial" charset="0"/>
               </a:rPr>
-              <a:pPr eaLnBrk="1" hangingPunct="1"/>
-              <a:t>10/21/15</a:t>
+              <a:t>10/26/15</a:t>
             </a:fld>
             <a:endParaRPr lang="en-US" sz="1200">
               <a:latin typeface="Garamond" charset="0"/>
@@ -13500,9 +10778,10 @@
               <a:defRPr/>
             </a:pPr>
             <a:r>
-              <a:rPr lang="en-US" altLang="en-US"/>
-              <a:t>ECE Application Programming: Lecture 22</a:t>
-            </a:r>
+              <a:rPr lang="en-US" altLang="en-US" smtClean="0"/>
+              <a:t>ECE Application Programming: Lecture 21</a:t>
+            </a:r>
+            <a:endParaRPr lang="en-US" altLang="en-US"/>
           </a:p>
         </p:txBody>
       </p:sp>
@@ -13950,13 +11229,12 @@
           </a:lstStyle>
           <a:p>
             <a:pPr eaLnBrk="1" hangingPunct="1"/>
-            <a:fld id="{DC2F3F89-1D0B-3A43-81B8-AF07F53E3F8E}" type="datetime1">
-              <a:rPr lang="en-US" sz="1200">
+            <a:fld id="{74F66D5C-1E6E-428F-BB4E-34B8AF7A7506}" type="datetime1">
+              <a:rPr lang="en-US" sz="1200" smtClean="0">
                 <a:latin typeface="Garamond" charset="0"/>
                 <a:cs typeface="Arial" charset="0"/>
               </a:rPr>
-              <a:pPr eaLnBrk="1" hangingPunct="1"/>
-              <a:t>10/21/15</a:t>
+              <a:t>10/26/15</a:t>
             </a:fld>
             <a:endParaRPr lang="en-US" sz="1200">
               <a:latin typeface="Garamond" charset="0"/>
@@ -13984,9 +11262,10 @@
               <a:defRPr/>
             </a:pPr>
             <a:r>
-              <a:rPr lang="en-US" altLang="en-US"/>
-              <a:t>ECE Application Programming: Lecture 22</a:t>
-            </a:r>
+              <a:rPr lang="en-US" altLang="en-US" smtClean="0"/>
+              <a:t>ECE Application Programming: Lecture 21</a:t>
+            </a:r>
+            <a:endParaRPr lang="en-US" altLang="en-US"/>
           </a:p>
         </p:txBody>
       </p:sp>
@@ -14639,13 +11918,12 @@
           </a:lstStyle>
           <a:p>
             <a:pPr eaLnBrk="1" hangingPunct="1"/>
-            <a:fld id="{01A60C38-2424-6641-B726-79473078E451}" type="datetime1">
-              <a:rPr lang="en-US" sz="1200">
+            <a:fld id="{5342A4CB-663C-4F7E-BE05-D4C167CED0F6}" type="datetime1">
+              <a:rPr lang="en-US" sz="1200" smtClean="0">
                 <a:latin typeface="Garamond" charset="0"/>
                 <a:cs typeface="Arial" charset="0"/>
               </a:rPr>
-              <a:pPr eaLnBrk="1" hangingPunct="1"/>
-              <a:t>10/21/15</a:t>
+              <a:t>10/26/15</a:t>
             </a:fld>
             <a:endParaRPr lang="en-US" sz="1200">
               <a:latin typeface="Garamond" charset="0"/>
@@ -14673,9 +11951,10 @@
               <a:defRPr/>
             </a:pPr>
             <a:r>
-              <a:rPr lang="en-US" altLang="en-US"/>
-              <a:t>ECE Application Programming: Lecture 22</a:t>
-            </a:r>
+              <a:rPr lang="en-US" altLang="en-US" smtClean="0"/>
+              <a:t>ECE Application Programming: Lecture 21</a:t>
+            </a:r>
+            <a:endParaRPr lang="en-US" altLang="en-US"/>
           </a:p>
         </p:txBody>
       </p:sp>
@@ -15272,13 +12551,12 @@
           </a:lstStyle>
           <a:p>
             <a:pPr eaLnBrk="1" hangingPunct="1"/>
-            <a:fld id="{740CA56E-2DD3-014C-9D82-771602242602}" type="datetime1">
-              <a:rPr lang="en-US" sz="1200">
+            <a:fld id="{0CD8CFF2-B6F3-455B-943D-E62A3CF5303A}" type="datetime1">
+              <a:rPr lang="en-US" sz="1200" smtClean="0">
                 <a:latin typeface="Garamond" charset="0"/>
                 <a:cs typeface="Arial" charset="0"/>
               </a:rPr>
-              <a:pPr eaLnBrk="1" hangingPunct="1"/>
-              <a:t>10/21/15</a:t>
+              <a:t>10/26/15</a:t>
             </a:fld>
             <a:endParaRPr lang="en-US" sz="1200">
               <a:latin typeface="Garamond" charset="0"/>
@@ -15306,9 +12584,10 @@
               <a:defRPr/>
             </a:pPr>
             <a:r>
-              <a:rPr lang="en-US" altLang="en-US"/>
-              <a:t>ECE Application Programming: Lecture 22</a:t>
-            </a:r>
+              <a:rPr lang="en-US" altLang="en-US" smtClean="0"/>
+              <a:t>ECE Application Programming: Lecture 21</a:t>
+            </a:r>
+            <a:endParaRPr lang="en-US" altLang="en-US"/>
           </a:p>
         </p:txBody>
       </p:sp>
@@ -16592,13 +13871,12 @@
           </a:lstStyle>
           <a:p>
             <a:pPr eaLnBrk="1" hangingPunct="1"/>
-            <a:fld id="{1463F786-C4AC-3C4A-9BAF-3783683B50CA}" type="datetime1">
-              <a:rPr lang="en-US" sz="1200">
+            <a:fld id="{D1260D6D-81EA-48B7-8F3E-3161CAC691CD}" type="datetime1">
+              <a:rPr lang="en-US" sz="1200" smtClean="0">
                 <a:latin typeface="Garamond" charset="0"/>
                 <a:cs typeface="Arial" charset="0"/>
               </a:rPr>
-              <a:pPr eaLnBrk="1" hangingPunct="1"/>
-              <a:t>10/21/15</a:t>
+              <a:t>10/26/15</a:t>
             </a:fld>
             <a:endParaRPr lang="en-US" sz="1200">
               <a:latin typeface="Garamond" charset="0"/>
@@ -16626,9 +13904,10 @@
               <a:defRPr/>
             </a:pPr>
             <a:r>
-              <a:rPr lang="en-US" altLang="en-US"/>
-              <a:t>ECE Application Programming: Lecture 22</a:t>
-            </a:r>
+              <a:rPr lang="en-US" altLang="en-US" smtClean="0"/>
+              <a:t>ECE Application Programming: Lecture 21</a:t>
+            </a:r>
+            <a:endParaRPr lang="en-US" altLang="en-US"/>
           </a:p>
         </p:txBody>
       </p:sp>
